--- a/group_presentation.pptx
+++ b/group_presentation.pptx
@@ -15,9 +15,6 @@
     <p:sldId id="260" r:id="rId12"/>
     <p:sldId id="261" r:id="rId13"/>
     <p:sldId id="262" r:id="rId14"/>
-    <p:sldId id="263" r:id="rId15"/>
-    <p:sldId id="264" r:id="rId16"/>
-    <p:sldId id="265" r:id="rId17"/>
   </p:sldIdLst>
   <p:sldSz cx="13004800" cy="9753600"/>
   <p:notesSz cx="6858000" cy="9144000"/>
@@ -68,7 +65,7 @@
           <a:noFill/>
         </a:ln>
         <a:solidFill>
-          <a:srgbClr val="FFFFFF"/>
+          <a:srgbClr val="BC00FF"/>
         </a:solidFill>
         <a:effectLst>
           <a:outerShdw sx="100000" sy="100000" kx="0" ky="0" algn="b" rotWithShape="0" blurRad="50800" dist="38100" dir="5400000">
@@ -76,13 +73,13 @@
           </a:outerShdw>
         </a:effectLst>
         <a:uFillTx/>
-        <a:latin typeface="+mn-lt"/>
-        <a:ea typeface="+mn-ea"/>
-        <a:cs typeface="+mn-cs"/>
+        <a:latin typeface="Helvetica Neue Light"/>
+        <a:ea typeface="Helvetica Neue Light"/>
+        <a:cs typeface="Helvetica Neue Light"/>
         <a:sym typeface="Helvetica Neue Light"/>
       </a:defRPr>
     </a:lvl1pPr>
-    <a:lvl2pPr marL="0" marR="0" indent="228600" algn="ctr" defTabSz="584200" rtl="0" fontAlgn="auto" latinLnBrk="0" hangingPunct="0">
+    <a:lvl2pPr marL="0" marR="0" indent="0" algn="ctr" defTabSz="584200" rtl="0" fontAlgn="auto" latinLnBrk="0" hangingPunct="0">
       <a:lnSpc>
         <a:spcPct val="100000"/>
       </a:lnSpc>
@@ -102,7 +99,7 @@
           <a:noFill/>
         </a:ln>
         <a:solidFill>
-          <a:srgbClr val="FFFFFF"/>
+          <a:srgbClr val="BC00FF"/>
         </a:solidFill>
         <a:effectLst>
           <a:outerShdw sx="100000" sy="100000" kx="0" ky="0" algn="b" rotWithShape="0" blurRad="50800" dist="38100" dir="5400000">
@@ -110,13 +107,13 @@
           </a:outerShdw>
         </a:effectLst>
         <a:uFillTx/>
-        <a:latin typeface="+mn-lt"/>
-        <a:ea typeface="+mn-ea"/>
-        <a:cs typeface="+mn-cs"/>
+        <a:latin typeface="Helvetica Neue Light"/>
+        <a:ea typeface="Helvetica Neue Light"/>
+        <a:cs typeface="Helvetica Neue Light"/>
         <a:sym typeface="Helvetica Neue Light"/>
       </a:defRPr>
     </a:lvl2pPr>
-    <a:lvl3pPr marL="0" marR="0" indent="457200" algn="ctr" defTabSz="584200" rtl="0" fontAlgn="auto" latinLnBrk="0" hangingPunct="0">
+    <a:lvl3pPr marL="0" marR="0" indent="0" algn="ctr" defTabSz="584200" rtl="0" fontAlgn="auto" latinLnBrk="0" hangingPunct="0">
       <a:lnSpc>
         <a:spcPct val="100000"/>
       </a:lnSpc>
@@ -136,7 +133,7 @@
           <a:noFill/>
         </a:ln>
         <a:solidFill>
-          <a:srgbClr val="FFFFFF"/>
+          <a:srgbClr val="BC00FF"/>
         </a:solidFill>
         <a:effectLst>
           <a:outerShdw sx="100000" sy="100000" kx="0" ky="0" algn="b" rotWithShape="0" blurRad="50800" dist="38100" dir="5400000">
@@ -144,13 +141,13 @@
           </a:outerShdw>
         </a:effectLst>
         <a:uFillTx/>
-        <a:latin typeface="+mn-lt"/>
-        <a:ea typeface="+mn-ea"/>
-        <a:cs typeface="+mn-cs"/>
+        <a:latin typeface="Helvetica Neue Light"/>
+        <a:ea typeface="Helvetica Neue Light"/>
+        <a:cs typeface="Helvetica Neue Light"/>
         <a:sym typeface="Helvetica Neue Light"/>
       </a:defRPr>
     </a:lvl3pPr>
-    <a:lvl4pPr marL="0" marR="0" indent="685800" algn="ctr" defTabSz="584200" rtl="0" fontAlgn="auto" latinLnBrk="0" hangingPunct="0">
+    <a:lvl4pPr marL="0" marR="0" indent="0" algn="ctr" defTabSz="584200" rtl="0" fontAlgn="auto" latinLnBrk="0" hangingPunct="0">
       <a:lnSpc>
         <a:spcPct val="100000"/>
       </a:lnSpc>
@@ -170,7 +167,7 @@
           <a:noFill/>
         </a:ln>
         <a:solidFill>
-          <a:srgbClr val="FFFFFF"/>
+          <a:srgbClr val="BC00FF"/>
         </a:solidFill>
         <a:effectLst>
           <a:outerShdw sx="100000" sy="100000" kx="0" ky="0" algn="b" rotWithShape="0" blurRad="50800" dist="38100" dir="5400000">
@@ -178,13 +175,13 @@
           </a:outerShdw>
         </a:effectLst>
         <a:uFillTx/>
-        <a:latin typeface="+mn-lt"/>
-        <a:ea typeface="+mn-ea"/>
-        <a:cs typeface="+mn-cs"/>
+        <a:latin typeface="Helvetica Neue Light"/>
+        <a:ea typeface="Helvetica Neue Light"/>
+        <a:cs typeface="Helvetica Neue Light"/>
         <a:sym typeface="Helvetica Neue Light"/>
       </a:defRPr>
     </a:lvl4pPr>
-    <a:lvl5pPr marL="0" marR="0" indent="914400" algn="ctr" defTabSz="584200" rtl="0" fontAlgn="auto" latinLnBrk="0" hangingPunct="0">
+    <a:lvl5pPr marL="0" marR="0" indent="0" algn="ctr" defTabSz="584200" rtl="0" fontAlgn="auto" latinLnBrk="0" hangingPunct="0">
       <a:lnSpc>
         <a:spcPct val="100000"/>
       </a:lnSpc>
@@ -204,7 +201,7 @@
           <a:noFill/>
         </a:ln>
         <a:solidFill>
-          <a:srgbClr val="FFFFFF"/>
+          <a:srgbClr val="BC00FF"/>
         </a:solidFill>
         <a:effectLst>
           <a:outerShdw sx="100000" sy="100000" kx="0" ky="0" algn="b" rotWithShape="0" blurRad="50800" dist="38100" dir="5400000">
@@ -212,13 +209,13 @@
           </a:outerShdw>
         </a:effectLst>
         <a:uFillTx/>
-        <a:latin typeface="+mn-lt"/>
-        <a:ea typeface="+mn-ea"/>
-        <a:cs typeface="+mn-cs"/>
+        <a:latin typeface="Helvetica Neue Light"/>
+        <a:ea typeface="Helvetica Neue Light"/>
+        <a:cs typeface="Helvetica Neue Light"/>
         <a:sym typeface="Helvetica Neue Light"/>
       </a:defRPr>
     </a:lvl5pPr>
-    <a:lvl6pPr marL="0" marR="0" indent="1143000" algn="ctr" defTabSz="584200" rtl="0" fontAlgn="auto" latinLnBrk="0" hangingPunct="0">
+    <a:lvl6pPr marL="0" marR="0" indent="0" algn="ctr" defTabSz="584200" rtl="0" fontAlgn="auto" latinLnBrk="0" hangingPunct="0">
       <a:lnSpc>
         <a:spcPct val="100000"/>
       </a:lnSpc>
@@ -238,7 +235,7 @@
           <a:noFill/>
         </a:ln>
         <a:solidFill>
-          <a:srgbClr val="FFFFFF"/>
+          <a:srgbClr val="BC00FF"/>
         </a:solidFill>
         <a:effectLst>
           <a:outerShdw sx="100000" sy="100000" kx="0" ky="0" algn="b" rotWithShape="0" blurRad="50800" dist="38100" dir="5400000">
@@ -246,13 +243,13 @@
           </a:outerShdw>
         </a:effectLst>
         <a:uFillTx/>
-        <a:latin typeface="+mn-lt"/>
-        <a:ea typeface="+mn-ea"/>
-        <a:cs typeface="+mn-cs"/>
+        <a:latin typeface="Helvetica Neue Light"/>
+        <a:ea typeface="Helvetica Neue Light"/>
+        <a:cs typeface="Helvetica Neue Light"/>
         <a:sym typeface="Helvetica Neue Light"/>
       </a:defRPr>
     </a:lvl6pPr>
-    <a:lvl7pPr marL="0" marR="0" indent="1371600" algn="ctr" defTabSz="584200" rtl="0" fontAlgn="auto" latinLnBrk="0" hangingPunct="0">
+    <a:lvl7pPr marL="0" marR="0" indent="0" algn="ctr" defTabSz="584200" rtl="0" fontAlgn="auto" latinLnBrk="0" hangingPunct="0">
       <a:lnSpc>
         <a:spcPct val="100000"/>
       </a:lnSpc>
@@ -272,7 +269,7 @@
           <a:noFill/>
         </a:ln>
         <a:solidFill>
-          <a:srgbClr val="FFFFFF"/>
+          <a:srgbClr val="BC00FF"/>
         </a:solidFill>
         <a:effectLst>
           <a:outerShdw sx="100000" sy="100000" kx="0" ky="0" algn="b" rotWithShape="0" blurRad="50800" dist="38100" dir="5400000">
@@ -280,13 +277,13 @@
           </a:outerShdw>
         </a:effectLst>
         <a:uFillTx/>
-        <a:latin typeface="+mn-lt"/>
-        <a:ea typeface="+mn-ea"/>
-        <a:cs typeface="+mn-cs"/>
+        <a:latin typeface="Helvetica Neue Light"/>
+        <a:ea typeface="Helvetica Neue Light"/>
+        <a:cs typeface="Helvetica Neue Light"/>
         <a:sym typeface="Helvetica Neue Light"/>
       </a:defRPr>
     </a:lvl7pPr>
-    <a:lvl8pPr marL="0" marR="0" indent="1600200" algn="ctr" defTabSz="584200" rtl="0" fontAlgn="auto" latinLnBrk="0" hangingPunct="0">
+    <a:lvl8pPr marL="0" marR="0" indent="0" algn="ctr" defTabSz="584200" rtl="0" fontAlgn="auto" latinLnBrk="0" hangingPunct="0">
       <a:lnSpc>
         <a:spcPct val="100000"/>
       </a:lnSpc>
@@ -306,7 +303,7 @@
           <a:noFill/>
         </a:ln>
         <a:solidFill>
-          <a:srgbClr val="FFFFFF"/>
+          <a:srgbClr val="BC00FF"/>
         </a:solidFill>
         <a:effectLst>
           <a:outerShdw sx="100000" sy="100000" kx="0" ky="0" algn="b" rotWithShape="0" blurRad="50800" dist="38100" dir="5400000">
@@ -314,13 +311,13 @@
           </a:outerShdw>
         </a:effectLst>
         <a:uFillTx/>
-        <a:latin typeface="+mn-lt"/>
-        <a:ea typeface="+mn-ea"/>
-        <a:cs typeface="+mn-cs"/>
+        <a:latin typeface="Helvetica Neue Light"/>
+        <a:ea typeface="Helvetica Neue Light"/>
+        <a:cs typeface="Helvetica Neue Light"/>
         <a:sym typeface="Helvetica Neue Light"/>
       </a:defRPr>
     </a:lvl8pPr>
-    <a:lvl9pPr marL="0" marR="0" indent="1828800" algn="ctr" defTabSz="584200" rtl="0" fontAlgn="auto" latinLnBrk="0" hangingPunct="0">
+    <a:lvl9pPr marL="0" marR="0" indent="0" algn="ctr" defTabSz="584200" rtl="0" fontAlgn="auto" latinLnBrk="0" hangingPunct="0">
       <a:lnSpc>
         <a:spcPct val="100000"/>
       </a:lnSpc>
@@ -340,7 +337,7 @@
           <a:noFill/>
         </a:ln>
         <a:solidFill>
-          <a:srgbClr val="FFFFFF"/>
+          <a:srgbClr val="BC00FF"/>
         </a:solidFill>
         <a:effectLst>
           <a:outerShdw sx="100000" sy="100000" kx="0" ky="0" algn="b" rotWithShape="0" blurRad="50800" dist="38100" dir="5400000">
@@ -348,9 +345,9 @@
           </a:outerShdw>
         </a:effectLst>
         <a:uFillTx/>
-        <a:latin typeface="+mn-lt"/>
-        <a:ea typeface="+mn-ea"/>
-        <a:cs typeface="+mn-cs"/>
+        <a:latin typeface="Helvetica Neue Light"/>
+        <a:ea typeface="Helvetica Neue Light"/>
+        <a:cs typeface="Helvetica Neue Light"/>
         <a:sym typeface="Helvetica Neue Light"/>
       </a:defRPr>
     </a:lvl9pPr>
@@ -438,9 +435,9 @@
         <a:spcPct val="117999"/>
       </a:lnSpc>
       <a:defRPr sz="2200">
-        <a:latin typeface="Helvetica Neue"/>
-        <a:ea typeface="Helvetica Neue"/>
-        <a:cs typeface="Helvetica Neue"/>
+        <a:latin typeface="+mj-lt"/>
+        <a:ea typeface="+mj-ea"/>
+        <a:cs typeface="+mj-cs"/>
         <a:sym typeface="Helvetica Neue"/>
       </a:defRPr>
     </a:lvl1pPr>
@@ -449,9 +446,9 @@
         <a:spcPct val="117999"/>
       </a:lnSpc>
       <a:defRPr sz="2200">
-        <a:latin typeface="Helvetica Neue"/>
-        <a:ea typeface="Helvetica Neue"/>
-        <a:cs typeface="Helvetica Neue"/>
+        <a:latin typeface="+mj-lt"/>
+        <a:ea typeface="+mj-ea"/>
+        <a:cs typeface="+mj-cs"/>
         <a:sym typeface="Helvetica Neue"/>
       </a:defRPr>
     </a:lvl2pPr>
@@ -460,9 +457,9 @@
         <a:spcPct val="117999"/>
       </a:lnSpc>
       <a:defRPr sz="2200">
-        <a:latin typeface="Helvetica Neue"/>
-        <a:ea typeface="Helvetica Neue"/>
-        <a:cs typeface="Helvetica Neue"/>
+        <a:latin typeface="+mj-lt"/>
+        <a:ea typeface="+mj-ea"/>
+        <a:cs typeface="+mj-cs"/>
         <a:sym typeface="Helvetica Neue"/>
       </a:defRPr>
     </a:lvl3pPr>
@@ -471,9 +468,9 @@
         <a:spcPct val="117999"/>
       </a:lnSpc>
       <a:defRPr sz="2200">
-        <a:latin typeface="Helvetica Neue"/>
-        <a:ea typeface="Helvetica Neue"/>
-        <a:cs typeface="Helvetica Neue"/>
+        <a:latin typeface="+mj-lt"/>
+        <a:ea typeface="+mj-ea"/>
+        <a:cs typeface="+mj-cs"/>
         <a:sym typeface="Helvetica Neue"/>
       </a:defRPr>
     </a:lvl4pPr>
@@ -482,9 +479,9 @@
         <a:spcPct val="117999"/>
       </a:lnSpc>
       <a:defRPr sz="2200">
-        <a:latin typeface="Helvetica Neue"/>
-        <a:ea typeface="Helvetica Neue"/>
-        <a:cs typeface="Helvetica Neue"/>
+        <a:latin typeface="+mj-lt"/>
+        <a:ea typeface="+mj-ea"/>
+        <a:cs typeface="+mj-cs"/>
         <a:sym typeface="Helvetica Neue"/>
       </a:defRPr>
     </a:lvl5pPr>
@@ -493,9 +490,9 @@
         <a:spcPct val="117999"/>
       </a:lnSpc>
       <a:defRPr sz="2200">
-        <a:latin typeface="Helvetica Neue"/>
-        <a:ea typeface="Helvetica Neue"/>
-        <a:cs typeface="Helvetica Neue"/>
+        <a:latin typeface="+mj-lt"/>
+        <a:ea typeface="+mj-ea"/>
+        <a:cs typeface="+mj-cs"/>
         <a:sym typeface="Helvetica Neue"/>
       </a:defRPr>
     </a:lvl6pPr>
@@ -504,9 +501,9 @@
         <a:spcPct val="117999"/>
       </a:lnSpc>
       <a:defRPr sz="2200">
-        <a:latin typeface="Helvetica Neue"/>
-        <a:ea typeface="Helvetica Neue"/>
-        <a:cs typeface="Helvetica Neue"/>
+        <a:latin typeface="+mj-lt"/>
+        <a:ea typeface="+mj-ea"/>
+        <a:cs typeface="+mj-cs"/>
         <a:sym typeface="Helvetica Neue"/>
       </a:defRPr>
     </a:lvl7pPr>
@@ -515,9 +512,9 @@
         <a:spcPct val="117999"/>
       </a:lnSpc>
       <a:defRPr sz="2200">
-        <a:latin typeface="Helvetica Neue"/>
-        <a:ea typeface="Helvetica Neue"/>
-        <a:cs typeface="Helvetica Neue"/>
+        <a:latin typeface="+mj-lt"/>
+        <a:ea typeface="+mj-ea"/>
+        <a:cs typeface="+mj-cs"/>
         <a:sym typeface="Helvetica Neue"/>
       </a:defRPr>
     </a:lvl8pPr>
@@ -526,9 +523,9 @@
         <a:spcPct val="117999"/>
       </a:lnSpc>
       <a:defRPr sz="2200">
-        <a:latin typeface="Helvetica Neue"/>
-        <a:ea typeface="Helvetica Neue"/>
-        <a:cs typeface="Helvetica Neue"/>
+        <a:latin typeface="+mj-lt"/>
+        <a:ea typeface="+mj-ea"/>
+        <a:cs typeface="+mj-cs"/>
         <a:sym typeface="Helvetica Neue"/>
       </a:defRPr>
     </a:lvl9pPr>
@@ -613,7 +610,7 @@
                 </a:solidFill>
               </a:defRPr>
             </a:lvl1pPr>
-            <a:lvl2pPr marL="0" indent="228600">
+            <a:lvl2pPr marL="0" indent="0">
               <a:spcBef>
                 <a:spcPts val="0"/>
               </a:spcBef>
@@ -625,7 +622,7 @@
                 </a:solidFill>
               </a:defRPr>
             </a:lvl2pPr>
-            <a:lvl3pPr marL="0" indent="457200">
+            <a:lvl3pPr marL="0" indent="0">
               <a:spcBef>
                 <a:spcPts val="0"/>
               </a:spcBef>
@@ -637,7 +634,7 @@
                 </a:solidFill>
               </a:defRPr>
             </a:lvl3pPr>
-            <a:lvl4pPr marL="0" indent="685800">
+            <a:lvl4pPr marL="0" indent="0">
               <a:spcBef>
                 <a:spcPts val="0"/>
               </a:spcBef>
@@ -649,7 +646,7 @@
                 </a:solidFill>
               </a:defRPr>
             </a:lvl4pPr>
-            <a:lvl5pPr marL="0" indent="914400">
+            <a:lvl5pPr marL="0" indent="0">
               <a:spcBef>
                 <a:spcPts val="0"/>
               </a:spcBef>
@@ -748,10 +745,10 @@
       </p:grpSpPr>
       <p:sp>
         <p:nvSpPr>
-          <p:cNvPr id="92" name="–Johnny Appleseed"/>
+          <p:cNvPr id="92" name="Body Level One…"/>
           <p:cNvSpPr txBox="1"/>
           <p:nvPr>
-            <p:ph type="body" sz="quarter" idx="13"/>
+            <p:ph type="body" sz="quarter" idx="1"/>
           </p:nvPr>
         </p:nvSpPr>
         <p:spPr>
@@ -764,9 +761,7 @@
           </a:prstGeom>
         </p:spPr>
         <p:txBody>
-          <a:bodyPr anchor="t">
-            <a:spAutoFit/>
-          </a:bodyPr>
+          <a:bodyPr anchor="t"/>
           <a:lstStyle>
             <a:lvl1pPr marL="0" indent="0" algn="ctr">
               <a:spcBef>
@@ -785,17 +780,137 @@
                     </a:srgbClr>
                   </a:outerShdw>
                 </a:effectLst>
-                <a:latin typeface="Helvetica Neue"/>
-                <a:ea typeface="Helvetica Neue"/>
-                <a:cs typeface="Helvetica Neue"/>
+                <a:latin typeface="+mj-lt"/>
+                <a:ea typeface="+mj-ea"/>
+                <a:cs typeface="+mj-cs"/>
                 <a:sym typeface="Helvetica Neue"/>
               </a:defRPr>
             </a:lvl1pPr>
+            <a:lvl2pPr marL="740833" indent="-296333" algn="ctr">
+              <a:spcBef>
+                <a:spcPts val="0"/>
+              </a:spcBef>
+              <a:buBlip>
+                <a:blip r:embed="rId2"/>
+              </a:buBlip>
+              <a:defRPr i="1" sz="2400">
+                <a:solidFill>
+                  <a:srgbClr val="73BFFF"/>
+                </a:solidFill>
+                <a:effectLst>
+                  <a:outerShdw sx="100000" sy="100000" kx="0" ky="0" algn="b" rotWithShape="0" blurRad="38100" dist="36285" dir="2700000">
+                    <a:srgbClr val="000000">
+                      <a:alpha val="48000"/>
+                    </a:srgbClr>
+                  </a:outerShdw>
+                </a:effectLst>
+                <a:latin typeface="+mj-lt"/>
+                <a:ea typeface="+mj-ea"/>
+                <a:cs typeface="+mj-cs"/>
+                <a:sym typeface="Helvetica Neue"/>
+              </a:defRPr>
+            </a:lvl2pPr>
+            <a:lvl3pPr marL="1185333" indent="-296333" algn="ctr">
+              <a:spcBef>
+                <a:spcPts val="0"/>
+              </a:spcBef>
+              <a:buBlip>
+                <a:blip r:embed="rId2"/>
+              </a:buBlip>
+              <a:defRPr i="1" sz="2400">
+                <a:solidFill>
+                  <a:srgbClr val="73BFFF"/>
+                </a:solidFill>
+                <a:effectLst>
+                  <a:outerShdw sx="100000" sy="100000" kx="0" ky="0" algn="b" rotWithShape="0" blurRad="38100" dist="36285" dir="2700000">
+                    <a:srgbClr val="000000">
+                      <a:alpha val="48000"/>
+                    </a:srgbClr>
+                  </a:outerShdw>
+                </a:effectLst>
+                <a:latin typeface="+mj-lt"/>
+                <a:ea typeface="+mj-ea"/>
+                <a:cs typeface="+mj-cs"/>
+                <a:sym typeface="Helvetica Neue"/>
+              </a:defRPr>
+            </a:lvl3pPr>
+            <a:lvl4pPr marL="1629833" indent="-296333" algn="ctr">
+              <a:spcBef>
+                <a:spcPts val="0"/>
+              </a:spcBef>
+              <a:buBlip>
+                <a:blip r:embed="rId2"/>
+              </a:buBlip>
+              <a:defRPr i="1" sz="2400">
+                <a:solidFill>
+                  <a:srgbClr val="73BFFF"/>
+                </a:solidFill>
+                <a:effectLst>
+                  <a:outerShdw sx="100000" sy="100000" kx="0" ky="0" algn="b" rotWithShape="0" blurRad="38100" dist="36285" dir="2700000">
+                    <a:srgbClr val="000000">
+                      <a:alpha val="48000"/>
+                    </a:srgbClr>
+                  </a:outerShdw>
+                </a:effectLst>
+                <a:latin typeface="+mj-lt"/>
+                <a:ea typeface="+mj-ea"/>
+                <a:cs typeface="+mj-cs"/>
+                <a:sym typeface="Helvetica Neue"/>
+              </a:defRPr>
+            </a:lvl4pPr>
+            <a:lvl5pPr marL="2074333" indent="-296333" algn="ctr">
+              <a:spcBef>
+                <a:spcPts val="0"/>
+              </a:spcBef>
+              <a:buBlip>
+                <a:blip r:embed="rId2"/>
+              </a:buBlip>
+              <a:defRPr i="1" sz="2400">
+                <a:solidFill>
+                  <a:srgbClr val="73BFFF"/>
+                </a:solidFill>
+                <a:effectLst>
+                  <a:outerShdw sx="100000" sy="100000" kx="0" ky="0" algn="b" rotWithShape="0" blurRad="38100" dist="36285" dir="2700000">
+                    <a:srgbClr val="000000">
+                      <a:alpha val="48000"/>
+                    </a:srgbClr>
+                  </a:outerShdw>
+                </a:effectLst>
+                <a:latin typeface="+mj-lt"/>
+                <a:ea typeface="+mj-ea"/>
+                <a:cs typeface="+mj-cs"/>
+                <a:sym typeface="Helvetica Neue"/>
+              </a:defRPr>
+            </a:lvl5pPr>
           </a:lstStyle>
           <a:p>
             <a:pPr/>
             <a:r>
-              <a:t>–Johnny Appleseed</a:t>
+              <a:t>Body Level One</a:t>
+            </a:r>
+          </a:p>
+          <a:p>
+            <a:pPr lvl="1"/>
+            <a:r>
+              <a:t>Body Level Two</a:t>
+            </a:r>
+          </a:p>
+          <a:p>
+            <a:pPr lvl="2"/>
+            <a:r>
+              <a:t>Body Level Three</a:t>
+            </a:r>
+          </a:p>
+          <a:p>
+            <a:pPr lvl="3"/>
+            <a:r>
+              <a:t>Body Level Four</a:t>
+            </a:r>
+          </a:p>
+          <a:p>
+            <a:pPr lvl="4"/>
+            <a:r>
+              <a:t>Body Level Five</a:t>
             </a:r>
           </a:p>
         </p:txBody>
@@ -805,7 +920,7 @@
           <p:cNvPr id="93" name="“Type a quote here.”"/>
           <p:cNvSpPr txBox="1"/>
           <p:nvPr>
-            <p:ph type="body" sz="quarter" idx="14"/>
+            <p:ph type="body" sz="quarter" idx="13"/>
           </p:nvPr>
         </p:nvSpPr>
         <p:spPr>
@@ -818,11 +933,10 @@
           </a:prstGeom>
         </p:spPr>
         <p:txBody>
-          <a:bodyPr>
-            <a:spAutoFit/>
-          </a:bodyPr>
-          <a:lstStyle>
-            <a:lvl1pPr marL="0" indent="0" algn="ctr">
+          <a:bodyPr/>
+          <a:lstStyle/>
+          <a:p>
+            <a:pPr marL="0" indent="0" algn="ctr">
               <a:spcBef>
                 <a:spcPts val="0"/>
               </a:spcBef>
@@ -837,13 +951,7 @@
                   </a:outerShdw>
                 </a:effectLst>
               </a:defRPr>
-            </a:lvl1pPr>
-          </a:lstStyle>
-          <a:p>
-            <a:pPr/>
-            <a:r>
-              <a:t>“Type a quote here.” </a:t>
-            </a:r>
+            </a:pPr>
           </a:p>
         </p:txBody>
       </p:sp>
@@ -1046,9 +1154,6 @@
           <a:prstGeom prst="rect">
             <a:avLst/>
           </a:prstGeom>
-          <a:ln w="9525">
-            <a:round/>
-          </a:ln>
         </p:spPr>
         <p:txBody>
           <a:bodyPr lIns="91439" tIns="45719" rIns="91439" bIns="45719" anchor="t">
@@ -1236,9 +1341,6 @@
           <a:prstGeom prst="rect">
             <a:avLst/>
           </a:prstGeom>
-          <a:ln w="9525">
-            <a:round/>
-          </a:ln>
         </p:spPr>
         <p:txBody>
           <a:bodyPr lIns="91439" tIns="45719" rIns="91439" bIns="45719" anchor="t">
@@ -1310,7 +1412,7 @@
                 </a:solidFill>
               </a:defRPr>
             </a:lvl1pPr>
-            <a:lvl2pPr marL="0" indent="228600">
+            <a:lvl2pPr marL="0" indent="0">
               <a:spcBef>
                 <a:spcPts val="0"/>
               </a:spcBef>
@@ -1322,7 +1424,7 @@
                 </a:solidFill>
               </a:defRPr>
             </a:lvl2pPr>
-            <a:lvl3pPr marL="0" indent="457200">
+            <a:lvl3pPr marL="0" indent="0">
               <a:spcBef>
                 <a:spcPts val="0"/>
               </a:spcBef>
@@ -1334,7 +1436,7 @@
                 </a:solidFill>
               </a:defRPr>
             </a:lvl3pPr>
-            <a:lvl4pPr marL="0" indent="685800">
+            <a:lvl4pPr marL="0" indent="0">
               <a:spcBef>
                 <a:spcPts val="0"/>
               </a:spcBef>
@@ -1346,7 +1448,7 @@
                 </a:solidFill>
               </a:defRPr>
             </a:lvl4pPr>
-            <a:lvl5pPr marL="0" indent="914400">
+            <a:lvl5pPr marL="0" indent="0">
               <a:spcBef>
                 <a:spcPts val="0"/>
               </a:spcBef>
@@ -1452,6 +1554,10 @@
           </p:nvPr>
         </p:nvSpPr>
         <p:spPr>
+          <a:xfrm>
+            <a:off x="787400" y="254000"/>
+            <a:ext cx="11430000" cy="2438400"/>
+          </a:xfrm>
           <a:prstGeom prst="rect">
             <a:avLst/>
           </a:prstGeom>
@@ -1528,6 +1634,10 @@
           </p:nvPr>
         </p:nvSpPr>
         <p:spPr>
+          <a:xfrm>
+            <a:off x="787400" y="254000"/>
+            <a:ext cx="11430000" cy="2438400"/>
+          </a:xfrm>
           <a:prstGeom prst="rect">
             <a:avLst/>
           </a:prstGeom>
@@ -1689,9 +1799,6 @@
           <a:prstGeom prst="rect">
             <a:avLst/>
           </a:prstGeom>
-          <a:ln w="9525">
-            <a:round/>
-          </a:ln>
         </p:spPr>
         <p:txBody>
           <a:bodyPr lIns="91439" tIns="45719" rIns="91439" bIns="45719" anchor="t">
@@ -1712,6 +1819,10 @@
           </p:nvPr>
         </p:nvSpPr>
         <p:spPr>
+          <a:xfrm>
+            <a:off x="787400" y="254000"/>
+            <a:ext cx="11430000" cy="2438400"/>
+          </a:xfrm>
           <a:prstGeom prst="rect">
             <a:avLst/>
           </a:prstGeom>
@@ -1999,9 +2110,6 @@
           <a:prstGeom prst="rect">
             <a:avLst/>
           </a:prstGeom>
-          <a:ln w="9525">
-            <a:round/>
-          </a:ln>
         </p:spPr>
         <p:txBody>
           <a:bodyPr lIns="91439" tIns="45719" rIns="91439" bIns="45719" anchor="t">
@@ -2024,14 +2132,11 @@
         <p:spPr>
           <a:xfrm>
             <a:off x="6858000" y="1270000"/>
-            <a:ext cx="5316292" cy="3378200"/>
+            <a:ext cx="5316293" cy="3378200"/>
           </a:xfrm>
           <a:prstGeom prst="rect">
             <a:avLst/>
           </a:prstGeom>
-          <a:ln w="9525">
-            <a:round/>
-          </a:ln>
         </p:spPr>
         <p:txBody>
           <a:bodyPr lIns="91439" tIns="45719" rIns="91439" bIns="45719" anchor="t">
@@ -2059,9 +2164,6 @@
           <a:prstGeom prst="rect">
             <a:avLst/>
           </a:prstGeom>
-          <a:ln w="9525">
-            <a:round/>
-          </a:ln>
         </p:spPr>
         <p:txBody>
           <a:bodyPr lIns="91439" tIns="45719" rIns="91439" bIns="45719" anchor="t">
@@ -2083,7 +2185,7 @@
         </p:nvSpPr>
         <p:spPr>
           <a:xfrm>
-            <a:off x="12534899" y="9311678"/>
+            <a:off x="12534900" y="9311678"/>
             <a:ext cx="312015" cy="312344"/>
           </a:xfrm>
           <a:prstGeom prst="rect">
@@ -2230,7 +2332,45 @@
       </p:sp>
       <p:sp>
         <p:nvSpPr>
-          <p:cNvPr id="3" name="Slide Number"/>
+          <p:cNvPr id="3" name="Title Text"/>
+          <p:cNvSpPr txBox="1"/>
+          <p:nvPr>
+            <p:ph type="title"/>
+          </p:nvPr>
+        </p:nvSpPr>
+        <p:spPr>
+          <a:xfrm>
+            <a:off x="1948462" y="1950720"/>
+            <a:ext cx="10403841" cy="661529"/>
+          </a:xfrm>
+          <a:prstGeom prst="rect">
+            <a:avLst/>
+          </a:prstGeom>
+          <a:ln w="12700">
+            <a:miter lim="400000"/>
+          </a:ln>
+          <a:extLst>
+            <a:ext uri="{C572A759-6A51-4108-AA02-DFA0A04FC94B}">
+              <ma14:wrappingTextBoxFlag xmlns:ma14="http://schemas.microsoft.com/office/mac/drawingml/2011/main" val="1"/>
+            </a:ext>
+          </a:extLst>
+        </p:spPr>
+        <p:txBody>
+          <a:bodyPr lIns="50800" tIns="50800" rIns="50800" bIns="50800" anchor="ctr">
+            <a:normAutofit fontScale="100000" lnSpcReduction="0"/>
+          </a:bodyPr>
+          <a:lstStyle/>
+          <a:p>
+            <a:pPr/>
+            <a:r>
+              <a:t>Title Text</a:t>
+            </a:r>
+          </a:p>
+        </p:txBody>
+      </p:sp>
+      <p:sp>
+        <p:nvSpPr>
+          <p:cNvPr id="4" name="Slide Number"/>
           <p:cNvSpPr txBox="1"/>
           <p:nvPr>
             <p:ph type="sldNum" sz="quarter" idx="2"/>
@@ -2238,7 +2378,7 @@
         </p:nvSpPr>
         <p:spPr>
           <a:xfrm>
-            <a:off x="12536220" y="9311678"/>
+            <a:off x="12536221" y="9311678"/>
             <a:ext cx="312015" cy="312344"/>
           </a:xfrm>
           <a:prstGeom prst="rect">
@@ -2260,9 +2400,9 @@
                     <a:alpha val="70000"/>
                   </a:srgbClr>
                 </a:solidFill>
-                <a:latin typeface="Helvetica Neue"/>
-                <a:ea typeface="Helvetica Neue"/>
-                <a:cs typeface="Helvetica Neue"/>
+                <a:latin typeface="+mj-lt"/>
+                <a:ea typeface="+mj-ea"/>
+                <a:cs typeface="+mj-cs"/>
                 <a:sym typeface="Helvetica Neue"/>
               </a:defRPr>
             </a:lvl1pPr>
@@ -2274,44 +2414,6 @@
               </a:defRPr>
             </a:pPr>
             <a:fld id="{86CB4B4D-7CA3-9044-876B-883B54F8677D}" type="slidenum"/>
-          </a:p>
-        </p:txBody>
-      </p:sp>
-      <p:sp>
-        <p:nvSpPr>
-          <p:cNvPr id="4" name="Title Text"/>
-          <p:cNvSpPr txBox="1"/>
-          <p:nvPr>
-            <p:ph type="title"/>
-          </p:nvPr>
-        </p:nvSpPr>
-        <p:spPr>
-          <a:xfrm>
-            <a:off x="787400" y="254000"/>
-            <a:ext cx="11430000" cy="2438400"/>
-          </a:xfrm>
-          <a:prstGeom prst="rect">
-            <a:avLst/>
-          </a:prstGeom>
-          <a:ln w="12700">
-            <a:miter lim="400000"/>
-          </a:ln>
-          <a:extLst>
-            <a:ext uri="{C572A759-6A51-4108-AA02-DFA0A04FC94B}">
-              <ma14:wrappingTextBoxFlag xmlns:ma14="http://schemas.microsoft.com/office/mac/drawingml/2011/main" val="1"/>
-            </a:ext>
-          </a:extLst>
-        </p:spPr>
-        <p:txBody>
-          <a:bodyPr lIns="50800" tIns="50800" rIns="50800" bIns="50800" anchor="ctr">
-            <a:normAutofit fontScale="100000" lnSpcReduction="0"/>
-          </a:bodyPr>
-          <a:lstStyle/>
-          <a:p>
-            <a:pPr/>
-            <a:r>
-              <a:t>Title Text</a:t>
-            </a:r>
           </a:p>
         </p:txBody>
       </p:sp>
@@ -2363,13 +2465,13 @@
             </a:outerShdw>
           </a:effectLst>
           <a:uFillTx/>
-          <a:latin typeface="+mn-lt"/>
-          <a:ea typeface="+mn-ea"/>
-          <a:cs typeface="+mn-cs"/>
+          <a:latin typeface="Helvetica Neue Light"/>
+          <a:ea typeface="Helvetica Neue Light"/>
+          <a:cs typeface="Helvetica Neue Light"/>
           <a:sym typeface="Helvetica Neue Light"/>
         </a:defRPr>
       </a:lvl1pPr>
-      <a:lvl2pPr marL="0" marR="0" indent="228600" algn="l" defTabSz="584200" rtl="0" latinLnBrk="0">
+      <a:lvl2pPr marL="0" marR="0" indent="0" algn="l" defTabSz="584200" rtl="0" latinLnBrk="0">
         <a:lnSpc>
           <a:spcPct val="100000"/>
         </a:lnSpc>
@@ -2397,13 +2499,13 @@
             </a:outerShdw>
           </a:effectLst>
           <a:uFillTx/>
-          <a:latin typeface="+mn-lt"/>
-          <a:ea typeface="+mn-ea"/>
-          <a:cs typeface="+mn-cs"/>
+          <a:latin typeface="Helvetica Neue Light"/>
+          <a:ea typeface="Helvetica Neue Light"/>
+          <a:cs typeface="Helvetica Neue Light"/>
           <a:sym typeface="Helvetica Neue Light"/>
         </a:defRPr>
       </a:lvl2pPr>
-      <a:lvl3pPr marL="0" marR="0" indent="457200" algn="l" defTabSz="584200" rtl="0" latinLnBrk="0">
+      <a:lvl3pPr marL="0" marR="0" indent="0" algn="l" defTabSz="584200" rtl="0" latinLnBrk="0">
         <a:lnSpc>
           <a:spcPct val="100000"/>
         </a:lnSpc>
@@ -2431,13 +2533,13 @@
             </a:outerShdw>
           </a:effectLst>
           <a:uFillTx/>
-          <a:latin typeface="+mn-lt"/>
-          <a:ea typeface="+mn-ea"/>
-          <a:cs typeface="+mn-cs"/>
+          <a:latin typeface="Helvetica Neue Light"/>
+          <a:ea typeface="Helvetica Neue Light"/>
+          <a:cs typeface="Helvetica Neue Light"/>
           <a:sym typeface="Helvetica Neue Light"/>
         </a:defRPr>
       </a:lvl3pPr>
-      <a:lvl4pPr marL="0" marR="0" indent="685800" algn="l" defTabSz="584200" rtl="0" latinLnBrk="0">
+      <a:lvl4pPr marL="0" marR="0" indent="0" algn="l" defTabSz="584200" rtl="0" latinLnBrk="0">
         <a:lnSpc>
           <a:spcPct val="100000"/>
         </a:lnSpc>
@@ -2465,13 +2567,13 @@
             </a:outerShdw>
           </a:effectLst>
           <a:uFillTx/>
-          <a:latin typeface="+mn-lt"/>
-          <a:ea typeface="+mn-ea"/>
-          <a:cs typeface="+mn-cs"/>
+          <a:latin typeface="Helvetica Neue Light"/>
+          <a:ea typeface="Helvetica Neue Light"/>
+          <a:cs typeface="Helvetica Neue Light"/>
           <a:sym typeface="Helvetica Neue Light"/>
         </a:defRPr>
       </a:lvl4pPr>
-      <a:lvl5pPr marL="0" marR="0" indent="914400" algn="l" defTabSz="584200" rtl="0" latinLnBrk="0">
+      <a:lvl5pPr marL="0" marR="0" indent="0" algn="l" defTabSz="584200" rtl="0" latinLnBrk="0">
         <a:lnSpc>
           <a:spcPct val="100000"/>
         </a:lnSpc>
@@ -2499,13 +2601,13 @@
             </a:outerShdw>
           </a:effectLst>
           <a:uFillTx/>
-          <a:latin typeface="+mn-lt"/>
-          <a:ea typeface="+mn-ea"/>
-          <a:cs typeface="+mn-cs"/>
+          <a:latin typeface="Helvetica Neue Light"/>
+          <a:ea typeface="Helvetica Neue Light"/>
+          <a:cs typeface="Helvetica Neue Light"/>
           <a:sym typeface="Helvetica Neue Light"/>
         </a:defRPr>
       </a:lvl5pPr>
-      <a:lvl6pPr marL="0" marR="0" indent="1143000" algn="l" defTabSz="584200" rtl="0" latinLnBrk="0">
+      <a:lvl6pPr marL="0" marR="0" indent="0" algn="l" defTabSz="584200" rtl="0" latinLnBrk="0">
         <a:lnSpc>
           <a:spcPct val="100000"/>
         </a:lnSpc>
@@ -2533,13 +2635,13 @@
             </a:outerShdw>
           </a:effectLst>
           <a:uFillTx/>
-          <a:latin typeface="+mn-lt"/>
-          <a:ea typeface="+mn-ea"/>
-          <a:cs typeface="+mn-cs"/>
+          <a:latin typeface="Helvetica Neue Light"/>
+          <a:ea typeface="Helvetica Neue Light"/>
+          <a:cs typeface="Helvetica Neue Light"/>
           <a:sym typeface="Helvetica Neue Light"/>
         </a:defRPr>
       </a:lvl6pPr>
-      <a:lvl7pPr marL="0" marR="0" indent="1371600" algn="l" defTabSz="584200" rtl="0" latinLnBrk="0">
+      <a:lvl7pPr marL="0" marR="0" indent="0" algn="l" defTabSz="584200" rtl="0" latinLnBrk="0">
         <a:lnSpc>
           <a:spcPct val="100000"/>
         </a:lnSpc>
@@ -2567,13 +2669,13 @@
             </a:outerShdw>
           </a:effectLst>
           <a:uFillTx/>
-          <a:latin typeface="+mn-lt"/>
-          <a:ea typeface="+mn-ea"/>
-          <a:cs typeface="+mn-cs"/>
+          <a:latin typeface="Helvetica Neue Light"/>
+          <a:ea typeface="Helvetica Neue Light"/>
+          <a:cs typeface="Helvetica Neue Light"/>
           <a:sym typeface="Helvetica Neue Light"/>
         </a:defRPr>
       </a:lvl7pPr>
-      <a:lvl8pPr marL="0" marR="0" indent="1600200" algn="l" defTabSz="584200" rtl="0" latinLnBrk="0">
+      <a:lvl8pPr marL="0" marR="0" indent="0" algn="l" defTabSz="584200" rtl="0" latinLnBrk="0">
         <a:lnSpc>
           <a:spcPct val="100000"/>
         </a:lnSpc>
@@ -2601,13 +2703,13 @@
             </a:outerShdw>
           </a:effectLst>
           <a:uFillTx/>
-          <a:latin typeface="+mn-lt"/>
-          <a:ea typeface="+mn-ea"/>
-          <a:cs typeface="+mn-cs"/>
+          <a:latin typeface="Helvetica Neue Light"/>
+          <a:ea typeface="Helvetica Neue Light"/>
+          <a:cs typeface="Helvetica Neue Light"/>
           <a:sym typeface="Helvetica Neue Light"/>
         </a:defRPr>
       </a:lvl8pPr>
-      <a:lvl9pPr marL="0" marR="0" indent="1828800" algn="l" defTabSz="584200" rtl="0" latinLnBrk="0">
+      <a:lvl9pPr marL="0" marR="0" indent="0" algn="l" defTabSz="584200" rtl="0" latinLnBrk="0">
         <a:lnSpc>
           <a:spcPct val="100000"/>
         </a:lnSpc>
@@ -2635,9 +2737,9 @@
             </a:outerShdw>
           </a:effectLst>
           <a:uFillTx/>
-          <a:latin typeface="+mn-lt"/>
-          <a:ea typeface="+mn-ea"/>
-          <a:cs typeface="+mn-cs"/>
+          <a:latin typeface="Helvetica Neue Light"/>
+          <a:ea typeface="Helvetica Neue Light"/>
+          <a:cs typeface="Helvetica Neue Light"/>
           <a:sym typeface="Helvetica Neue Light"/>
         </a:defRPr>
       </a:lvl9pPr>
@@ -2673,9 +2775,9 @@
             </a:outerShdw>
           </a:effectLst>
           <a:uFillTx/>
-          <a:latin typeface="+mn-lt"/>
-          <a:ea typeface="+mn-ea"/>
-          <a:cs typeface="+mn-cs"/>
+          <a:latin typeface="Helvetica Neue Light"/>
+          <a:ea typeface="Helvetica Neue Light"/>
+          <a:cs typeface="Helvetica Neue Light"/>
           <a:sym typeface="Helvetica Neue Light"/>
         </a:defRPr>
       </a:lvl1pPr>
@@ -2709,9 +2811,9 @@
             </a:outerShdw>
           </a:effectLst>
           <a:uFillTx/>
-          <a:latin typeface="+mn-lt"/>
-          <a:ea typeface="+mn-ea"/>
-          <a:cs typeface="+mn-cs"/>
+          <a:latin typeface="Helvetica Neue Light"/>
+          <a:ea typeface="Helvetica Neue Light"/>
+          <a:cs typeface="Helvetica Neue Light"/>
           <a:sym typeface="Helvetica Neue Light"/>
         </a:defRPr>
       </a:lvl2pPr>
@@ -2745,9 +2847,9 @@
             </a:outerShdw>
           </a:effectLst>
           <a:uFillTx/>
-          <a:latin typeface="+mn-lt"/>
-          <a:ea typeface="+mn-ea"/>
-          <a:cs typeface="+mn-cs"/>
+          <a:latin typeface="Helvetica Neue Light"/>
+          <a:ea typeface="Helvetica Neue Light"/>
+          <a:cs typeface="Helvetica Neue Light"/>
           <a:sym typeface="Helvetica Neue Light"/>
         </a:defRPr>
       </a:lvl3pPr>
@@ -2781,9 +2883,9 @@
             </a:outerShdw>
           </a:effectLst>
           <a:uFillTx/>
-          <a:latin typeface="+mn-lt"/>
-          <a:ea typeface="+mn-ea"/>
-          <a:cs typeface="+mn-cs"/>
+          <a:latin typeface="Helvetica Neue Light"/>
+          <a:ea typeface="Helvetica Neue Light"/>
+          <a:cs typeface="Helvetica Neue Light"/>
           <a:sym typeface="Helvetica Neue Light"/>
         </a:defRPr>
       </a:lvl4pPr>
@@ -2817,9 +2919,9 @@
             </a:outerShdw>
           </a:effectLst>
           <a:uFillTx/>
-          <a:latin typeface="+mn-lt"/>
-          <a:ea typeface="+mn-ea"/>
-          <a:cs typeface="+mn-cs"/>
+          <a:latin typeface="Helvetica Neue Light"/>
+          <a:ea typeface="Helvetica Neue Light"/>
+          <a:cs typeface="Helvetica Neue Light"/>
           <a:sym typeface="Helvetica Neue Light"/>
         </a:defRPr>
       </a:lvl5pPr>
@@ -2853,9 +2955,9 @@
             </a:outerShdw>
           </a:effectLst>
           <a:uFillTx/>
-          <a:latin typeface="+mn-lt"/>
-          <a:ea typeface="+mn-ea"/>
-          <a:cs typeface="+mn-cs"/>
+          <a:latin typeface="Helvetica Neue Light"/>
+          <a:ea typeface="Helvetica Neue Light"/>
+          <a:cs typeface="Helvetica Neue Light"/>
           <a:sym typeface="Helvetica Neue Light"/>
         </a:defRPr>
       </a:lvl6pPr>
@@ -2889,9 +2991,9 @@
             </a:outerShdw>
           </a:effectLst>
           <a:uFillTx/>
-          <a:latin typeface="+mn-lt"/>
-          <a:ea typeface="+mn-ea"/>
-          <a:cs typeface="+mn-cs"/>
+          <a:latin typeface="Helvetica Neue Light"/>
+          <a:ea typeface="Helvetica Neue Light"/>
+          <a:cs typeface="Helvetica Neue Light"/>
           <a:sym typeface="Helvetica Neue Light"/>
         </a:defRPr>
       </a:lvl7pPr>
@@ -2925,9 +3027,9 @@
             </a:outerShdw>
           </a:effectLst>
           <a:uFillTx/>
-          <a:latin typeface="+mn-lt"/>
-          <a:ea typeface="+mn-ea"/>
-          <a:cs typeface="+mn-cs"/>
+          <a:latin typeface="Helvetica Neue Light"/>
+          <a:ea typeface="Helvetica Neue Light"/>
+          <a:cs typeface="Helvetica Neue Light"/>
           <a:sym typeface="Helvetica Neue Light"/>
         </a:defRPr>
       </a:lvl8pPr>
@@ -2961,15 +3063,15 @@
             </a:outerShdw>
           </a:effectLst>
           <a:uFillTx/>
-          <a:latin typeface="+mn-lt"/>
-          <a:ea typeface="+mn-ea"/>
-          <a:cs typeface="+mn-cs"/>
+          <a:latin typeface="Helvetica Neue Light"/>
+          <a:ea typeface="Helvetica Neue Light"/>
+          <a:cs typeface="Helvetica Neue Light"/>
           <a:sym typeface="Helvetica Neue Light"/>
         </a:defRPr>
       </a:lvl9pPr>
     </p:bodyStyle>
     <p:otherStyle>
-      <a:lvl1pPr marL="0" marR="0" indent="0" algn="r" defTabSz="584200" latinLnBrk="0">
+      <a:lvl1pPr marL="0" marR="0" indent="0" algn="r" defTabSz="584200" rtl="0" latinLnBrk="0">
         <a:lnSpc>
           <a:spcPct val="100000"/>
         </a:lnSpc>
@@ -2998,7 +3100,7 @@
           <a:sym typeface="Helvetica Neue"/>
         </a:defRPr>
       </a:lvl1pPr>
-      <a:lvl2pPr marL="0" marR="0" indent="228600" algn="r" defTabSz="584200" latinLnBrk="0">
+      <a:lvl2pPr marL="0" marR="0" indent="0" algn="r" defTabSz="584200" rtl="0" latinLnBrk="0">
         <a:lnSpc>
           <a:spcPct val="100000"/>
         </a:lnSpc>
@@ -3027,7 +3129,7 @@
           <a:sym typeface="Helvetica Neue"/>
         </a:defRPr>
       </a:lvl2pPr>
-      <a:lvl3pPr marL="0" marR="0" indent="457200" algn="r" defTabSz="584200" latinLnBrk="0">
+      <a:lvl3pPr marL="0" marR="0" indent="0" algn="r" defTabSz="584200" rtl="0" latinLnBrk="0">
         <a:lnSpc>
           <a:spcPct val="100000"/>
         </a:lnSpc>
@@ -3056,7 +3158,7 @@
           <a:sym typeface="Helvetica Neue"/>
         </a:defRPr>
       </a:lvl3pPr>
-      <a:lvl4pPr marL="0" marR="0" indent="685800" algn="r" defTabSz="584200" latinLnBrk="0">
+      <a:lvl4pPr marL="0" marR="0" indent="0" algn="r" defTabSz="584200" rtl="0" latinLnBrk="0">
         <a:lnSpc>
           <a:spcPct val="100000"/>
         </a:lnSpc>
@@ -3085,7 +3187,7 @@
           <a:sym typeface="Helvetica Neue"/>
         </a:defRPr>
       </a:lvl4pPr>
-      <a:lvl5pPr marL="0" marR="0" indent="914400" algn="r" defTabSz="584200" latinLnBrk="0">
+      <a:lvl5pPr marL="0" marR="0" indent="0" algn="r" defTabSz="584200" rtl="0" latinLnBrk="0">
         <a:lnSpc>
           <a:spcPct val="100000"/>
         </a:lnSpc>
@@ -3114,7 +3216,7 @@
           <a:sym typeface="Helvetica Neue"/>
         </a:defRPr>
       </a:lvl5pPr>
-      <a:lvl6pPr marL="0" marR="0" indent="1143000" algn="r" defTabSz="584200" latinLnBrk="0">
+      <a:lvl6pPr marL="0" marR="0" indent="0" algn="r" defTabSz="584200" rtl="0" latinLnBrk="0">
         <a:lnSpc>
           <a:spcPct val="100000"/>
         </a:lnSpc>
@@ -3143,7 +3245,7 @@
           <a:sym typeface="Helvetica Neue"/>
         </a:defRPr>
       </a:lvl6pPr>
-      <a:lvl7pPr marL="0" marR="0" indent="1371600" algn="r" defTabSz="584200" latinLnBrk="0">
+      <a:lvl7pPr marL="0" marR="0" indent="0" algn="r" defTabSz="584200" rtl="0" latinLnBrk="0">
         <a:lnSpc>
           <a:spcPct val="100000"/>
         </a:lnSpc>
@@ -3172,7 +3274,7 @@
           <a:sym typeface="Helvetica Neue"/>
         </a:defRPr>
       </a:lvl7pPr>
-      <a:lvl8pPr marL="0" marR="0" indent="1600200" algn="r" defTabSz="584200" latinLnBrk="0">
+      <a:lvl8pPr marL="0" marR="0" indent="0" algn="r" defTabSz="584200" rtl="0" latinLnBrk="0">
         <a:lnSpc>
           <a:spcPct val="100000"/>
         </a:lnSpc>
@@ -3201,7 +3303,7 @@
           <a:sym typeface="Helvetica Neue"/>
         </a:defRPr>
       </a:lvl8pPr>
-      <a:lvl9pPr marL="0" marR="0" indent="1828800" algn="r" defTabSz="584200" latinLnBrk="0">
+      <a:lvl9pPr marL="0" marR="0" indent="0" algn="r" defTabSz="584200" rtl="0" latinLnBrk="0">
         <a:lnSpc>
           <a:spcPct val="100000"/>
         </a:lnSpc>
@@ -3262,8 +3364,8 @@
         </p:nvSpPr>
         <p:spPr>
           <a:xfrm>
-            <a:off x="850899" y="1269999"/>
-            <a:ext cx="11303001" cy="3505201"/>
+            <a:off x="850898" y="1269998"/>
+            <a:ext cx="11303003" cy="3505203"/>
           </a:xfrm>
           <a:prstGeom prst="rect">
             <a:avLst/>
@@ -3292,8 +3394,8 @@
         </p:nvSpPr>
         <p:spPr>
           <a:xfrm>
-            <a:off x="850899" y="6117166"/>
-            <a:ext cx="11303001" cy="1574801"/>
+            <a:off x="850898" y="6117166"/>
+            <a:ext cx="11303003" cy="1574802"/>
           </a:xfrm>
           <a:prstGeom prst="rect">
             <a:avLst/>
@@ -3323,13 +3425,13 @@
           <p:cNvPr id="120" name="Slide Number"/>
           <p:cNvSpPr txBox="1"/>
           <p:nvPr>
-            <p:ph type="sldNum" sz="quarter" idx="2"/>
+            <p:ph type="sldNum" sz="quarter" idx="4294967295"/>
           </p:nvPr>
         </p:nvSpPr>
         <p:spPr>
           <a:xfrm>
-            <a:off x="12635077" y="9311678"/>
-            <a:ext cx="213158" cy="312344"/>
+            <a:off x="12635076" y="9311678"/>
+            <a:ext cx="213158" cy="312343"/>
           </a:xfrm>
           <a:prstGeom prst="rect">
             <a:avLst/>
@@ -3350,156 +3452,6 @@
               </a:defRPr>
             </a:pPr>
             <a:fld id="{86CB4B4D-7CA3-9044-876B-883B54F8677D}" type="slidenum"/>
-          </a:p>
-        </p:txBody>
-      </p:sp>
-    </p:spTree>
-  </p:cSld>
-  <p:clrMapOvr>
-    <a:masterClrMapping/>
-  </p:clrMapOvr>
-  <p:transition xmlns:p14="http://schemas.microsoft.com/office/powerpoint/2010/main" spd="med" advClick="1"/>
-</p:sld>
-</file>
-
-<file path=ppt/slides/slide10.xml><?xml version="1.0" encoding="utf-8"?>
-<p:sld xmlns:a="http://schemas.openxmlformats.org/drawingml/2006/main" xmlns:r="http://schemas.openxmlformats.org/officeDocument/2006/relationships" xmlns:p="http://schemas.openxmlformats.org/presentationml/2006/main" showMasterSp="1" showMasterPhAnim="1">
-  <p:cSld>
-    <p:spTree>
-      <p:nvGrpSpPr>
-        <p:cNvPr id="1" name=""/>
-        <p:cNvGrpSpPr/>
-        <p:nvPr/>
-      </p:nvGrpSpPr>
-      <p:grpSpPr>
-        <a:xfrm>
-          <a:off x="0" y="0"/>
-          <a:ext cx="0" cy="0"/>
-          <a:chOff x="0" y="0"/>
-          <a:chExt cx="0" cy="0"/>
-        </a:xfrm>
-      </p:grpSpPr>
-      <p:sp>
-        <p:nvSpPr>
-          <p:cNvPr id="201" name="Title"/>
-          <p:cNvSpPr txBox="1"/>
-          <p:nvPr>
-            <p:ph type="title"/>
-          </p:nvPr>
-        </p:nvSpPr>
-        <p:spPr>
-          <a:prstGeom prst="rect">
-            <a:avLst/>
-          </a:prstGeom>
-        </p:spPr>
-        <p:txBody>
-          <a:bodyPr/>
-          <a:lstStyle/>
-          <a:p>
-            <a:pPr/>
-          </a:p>
-        </p:txBody>
-      </p:sp>
-      <p:sp>
-        <p:nvSpPr>
-          <p:cNvPr id="202" name="Body"/>
-          <p:cNvSpPr txBox="1"/>
-          <p:nvPr>
-            <p:ph type="body" idx="1"/>
-          </p:nvPr>
-        </p:nvSpPr>
-        <p:spPr>
-          <a:prstGeom prst="rect">
-            <a:avLst/>
-          </a:prstGeom>
-        </p:spPr>
-        <p:txBody>
-          <a:bodyPr/>
-          <a:lstStyle/>
-          <a:p>
-            <a:pPr>
-              <a:buBlip>
-                <a:blip r:embed="rId2"/>
-              </a:buBlip>
-            </a:pPr>
-          </a:p>
-        </p:txBody>
-      </p:sp>
-      <p:sp>
-        <p:nvSpPr>
-          <p:cNvPr id="203" name="Slide Number"/>
-          <p:cNvSpPr txBox="1"/>
-          <p:nvPr>
-            <p:ph type="sldNum" sz="quarter" idx="2"/>
-          </p:nvPr>
-        </p:nvSpPr>
-        <p:spPr>
-          <a:prstGeom prst="rect">
-            <a:avLst/>
-          </a:prstGeom>
-          <a:extLst>
-            <a:ext uri="{C572A759-6A51-4108-AA02-DFA0A04FC94B}">
-              <ma14:wrappingTextBoxFlag xmlns:ma14="http://schemas.microsoft.com/office/mac/drawingml/2011/main" val="1"/>
-            </a:ext>
-          </a:extLst>
-        </p:spPr>
-        <p:txBody>
-          <a:bodyPr/>
-          <a:lstStyle/>
-          <a:p>
-            <a:pPr>
-              <a:defRPr>
-                <a:effectLst/>
-              </a:defRPr>
-            </a:pPr>
-            <a:fld id="{86CB4B4D-7CA3-9044-876B-883B54F8677D}" type="slidenum"/>
-          </a:p>
-        </p:txBody>
-      </p:sp>
-      <p:sp>
-        <p:nvSpPr>
-          <p:cNvPr id="204" name="Wie sehen sehen sie nichts"/>
-          <p:cNvSpPr txBox="1"/>
-          <p:nvPr/>
-        </p:nvSpPr>
-        <p:spPr>
-          <a:xfrm>
-            <a:off x="3554552" y="4553230"/>
-            <a:ext cx="5895696" cy="647140"/>
-          </a:xfrm>
-          <a:prstGeom prst="rect">
-            <a:avLst/>
-          </a:prstGeom>
-          <a:ln w="12700">
-            <a:miter lim="400000"/>
-          </a:ln>
-          <a:extLst>
-            <a:ext uri="{C572A759-6A51-4108-AA02-DFA0A04FC94B}">
-              <ma14:wrappingTextBoxFlag xmlns:ma14="http://schemas.microsoft.com/office/mac/drawingml/2011/main" val="1"/>
-            </a:ext>
-          </a:extLst>
-        </p:spPr>
-        <p:txBody>
-          <a:bodyPr wrap="none" lIns="50800" tIns="50800" rIns="50800" bIns="50800" anchor="ctr">
-            <a:spAutoFit/>
-          </a:bodyPr>
-          <a:lstStyle>
-            <a:lvl1pPr marL="444500" indent="-444500" algn="l">
-              <a:spcBef>
-                <a:spcPts val="3600"/>
-              </a:spcBef>
-              <a:buSzPct val="30000"/>
-              <a:buBlip>
-                <a:blip r:embed="rId2"/>
-              </a:buBlip>
-              <a:defRPr sz="3600"/>
-            </a:lvl1pPr>
-          </a:lstStyle>
-          <a:p>
-            <a:pPr/>
-            <a:r>
-              <a:t>Wie sehen sehen sie nichts</a:t>
-            </a:r>
           </a:p>
         </p:txBody>
       </p:sp>
@@ -3590,13 +3542,13 @@
           <p:cNvPr id="124" name="Slide Number"/>
           <p:cNvSpPr txBox="1"/>
           <p:nvPr>
-            <p:ph type="sldNum" sz="quarter" idx="2"/>
+            <p:ph type="sldNum" sz="quarter" idx="4294967295"/>
           </p:nvPr>
         </p:nvSpPr>
         <p:spPr>
           <a:xfrm>
-            <a:off x="12635077" y="9311678"/>
-            <a:ext cx="213158" cy="312344"/>
+            <a:off x="12635076" y="9311678"/>
+            <a:ext cx="213158" cy="312343"/>
           </a:xfrm>
           <a:prstGeom prst="rect">
             <a:avLst/>
@@ -3682,8 +3634,8 @@
         </p:nvSpPr>
         <p:spPr>
           <a:xfrm>
-            <a:off x="6754514" y="2264645"/>
-            <a:ext cx="6179549" cy="556320"/>
+            <a:off x="6754513" y="2264644"/>
+            <a:ext cx="6179551" cy="556321"/>
           </a:xfrm>
           <a:prstGeom prst="rect">
             <a:avLst/>
@@ -3716,7 +3668,7 @@
         <p:spPr>
           <a:xfrm>
             <a:off x="676761" y="5623983"/>
-            <a:ext cx="1482776" cy="1270001"/>
+            <a:ext cx="1482776" cy="1270002"/>
           </a:xfrm>
           <a:prstGeom prst="roundRect">
             <a:avLst>
@@ -3742,7 +3694,11 @@
           <a:lstStyle/>
           <a:p>
             <a:pPr>
-              <a:defRPr sz="3600"/>
+              <a:defRPr sz="3600">
+                <a:solidFill>
+                  <a:srgbClr val="FFFFFF"/>
+                </a:solidFill>
+              </a:defRPr>
             </a:pPr>
           </a:p>
         </p:txBody>
@@ -3756,7 +3712,7 @@
         <p:spPr>
           <a:xfrm>
             <a:off x="2765697" y="5607596"/>
-            <a:ext cx="1482776" cy="1795861"/>
+            <a:ext cx="1482777" cy="1795862"/>
           </a:xfrm>
           <a:prstGeom prst="roundRect">
             <a:avLst>
@@ -3782,7 +3738,11 @@
           <a:lstStyle/>
           <a:p>
             <a:pPr>
-              <a:defRPr sz="3600"/>
+              <a:defRPr sz="3600">
+                <a:solidFill>
+                  <a:srgbClr val="FFFFFF"/>
+                </a:solidFill>
+              </a:defRPr>
             </a:pPr>
           </a:p>
         </p:txBody>
@@ -3795,8 +3755,8 @@
         </p:nvSpPr>
         <p:spPr>
           <a:xfrm>
-            <a:off x="4889831" y="5623983"/>
-            <a:ext cx="1482775" cy="1270001"/>
+            <a:off x="4889830" y="5623983"/>
+            <a:ext cx="1482776" cy="1270002"/>
           </a:xfrm>
           <a:prstGeom prst="roundRect">
             <a:avLst>
@@ -3822,7 +3782,11 @@
           <a:lstStyle/>
           <a:p>
             <a:pPr>
-              <a:defRPr sz="3600"/>
+              <a:defRPr sz="3600">
+                <a:solidFill>
+                  <a:srgbClr val="FFFFFF"/>
+                </a:solidFill>
+              </a:defRPr>
             </a:pPr>
           </a:p>
         </p:txBody>
@@ -3836,7 +3800,7 @@
         <p:spPr>
           <a:xfrm>
             <a:off x="2792746" y="8102599"/>
-            <a:ext cx="1482775" cy="1270001"/>
+            <a:ext cx="1482776" cy="1270002"/>
           </a:xfrm>
           <a:prstGeom prst="roundRect">
             <a:avLst>
@@ -3862,7 +3826,11 @@
           <a:lstStyle/>
           <a:p>
             <a:pPr>
-              <a:defRPr sz="3600"/>
+              <a:defRPr sz="3600">
+                <a:solidFill>
+                  <a:srgbClr val="FFFFFF"/>
+                </a:solidFill>
+              </a:defRPr>
             </a:pPr>
           </a:p>
         </p:txBody>
@@ -3876,7 +3844,7 @@
         <p:spPr>
           <a:xfrm>
             <a:off x="7008330" y="5623983"/>
-            <a:ext cx="1482776" cy="1270001"/>
+            <a:ext cx="1482777" cy="1270002"/>
           </a:xfrm>
           <a:prstGeom prst="roundRect">
             <a:avLst>
@@ -3920,7 +3888,7 @@
         <p:spPr>
           <a:xfrm>
             <a:off x="9230438" y="5623983"/>
-            <a:ext cx="1482776" cy="1270001"/>
+            <a:ext cx="1482777" cy="1270002"/>
           </a:xfrm>
           <a:prstGeom prst="roundRect">
             <a:avLst>
@@ -3946,7 +3914,11 @@
           <a:lstStyle/>
           <a:p>
             <a:pPr>
-              <a:defRPr sz="3600"/>
+              <a:defRPr sz="3600">
+                <a:solidFill>
+                  <a:srgbClr val="FFFFFF"/>
+                </a:solidFill>
+              </a:defRPr>
             </a:pPr>
           </a:p>
         </p:txBody>
@@ -3960,7 +3932,7 @@
         <p:spPr>
           <a:xfrm>
             <a:off x="676761" y="8102599"/>
-            <a:ext cx="1482776" cy="1270001"/>
+            <a:ext cx="1482776" cy="1270002"/>
           </a:xfrm>
           <a:prstGeom prst="roundRect">
             <a:avLst>
@@ -3986,7 +3958,11 @@
           <a:lstStyle/>
           <a:p>
             <a:pPr>
-              <a:defRPr sz="3600"/>
+              <a:defRPr sz="3600">
+                <a:solidFill>
+                  <a:srgbClr val="FFFFFF"/>
+                </a:solidFill>
+              </a:defRPr>
             </a:pPr>
           </a:p>
         </p:txBody>
@@ -3999,8 +3975,8 @@
         </p:nvSpPr>
         <p:spPr>
           <a:xfrm>
-            <a:off x="4889831" y="3232702"/>
-            <a:ext cx="1482775" cy="1270001"/>
+            <a:off x="4889830" y="3232701"/>
+            <a:ext cx="1482776" cy="1270002"/>
           </a:xfrm>
           <a:prstGeom prst="roundRect">
             <a:avLst>
@@ -4026,7 +4002,11 @@
           <a:lstStyle/>
           <a:p>
             <a:pPr>
-              <a:defRPr sz="3600"/>
+              <a:defRPr sz="3600">
+                <a:solidFill>
+                  <a:srgbClr val="FFFFFF"/>
+                </a:solidFill>
+              </a:defRPr>
             </a:pPr>
           </a:p>
         </p:txBody>
@@ -4039,8 +4019,8 @@
         </p:nvSpPr>
         <p:spPr>
           <a:xfrm>
-            <a:off x="9102900" y="3232702"/>
-            <a:ext cx="1482776" cy="1270001"/>
+            <a:off x="9102900" y="3232701"/>
+            <a:ext cx="1482777" cy="1270002"/>
           </a:xfrm>
           <a:prstGeom prst="roundRect">
             <a:avLst>
@@ -4066,7 +4046,11 @@
           <a:lstStyle/>
           <a:p>
             <a:pPr>
-              <a:defRPr sz="3600"/>
+              <a:defRPr sz="3600">
+                <a:solidFill>
+                  <a:srgbClr val="FFFFFF"/>
+                </a:solidFill>
+              </a:defRPr>
             </a:pPr>
           </a:p>
         </p:txBody>
@@ -4079,8 +4063,8 @@
         </p:nvSpPr>
         <p:spPr>
           <a:xfrm>
-            <a:off x="10162603" y="8102599"/>
-            <a:ext cx="1482776" cy="1270001"/>
+            <a:off x="10162602" y="8102599"/>
+            <a:ext cx="1482777" cy="1270002"/>
           </a:xfrm>
           <a:prstGeom prst="roundRect">
             <a:avLst>
@@ -4106,7 +4090,11 @@
           <a:lstStyle/>
           <a:p>
             <a:pPr>
-              <a:defRPr sz="3600"/>
+              <a:defRPr sz="3600">
+                <a:solidFill>
+                  <a:srgbClr val="FFFFFF"/>
+                </a:solidFill>
+              </a:defRPr>
             </a:pPr>
           </a:p>
         </p:txBody>
@@ -4119,8 +4107,8 @@
         </p:nvSpPr>
         <p:spPr>
           <a:xfrm>
-            <a:off x="11250963" y="5623983"/>
-            <a:ext cx="1482776" cy="1270001"/>
+            <a:off x="11250962" y="5623983"/>
+            <a:ext cx="1482777" cy="1270002"/>
           </a:xfrm>
           <a:prstGeom prst="roundRect">
             <a:avLst>
@@ -4146,7 +4134,11 @@
           <a:lstStyle/>
           <a:p>
             <a:pPr>
-              <a:defRPr sz="3600"/>
+              <a:defRPr sz="3600">
+                <a:solidFill>
+                  <a:srgbClr val="FFFFFF"/>
+                </a:solidFill>
+              </a:defRPr>
             </a:pPr>
           </a:p>
         </p:txBody>
@@ -4159,7 +4151,7 @@
         </p:nvSpPr>
         <p:spPr>
           <a:xfrm>
-            <a:off x="999010" y="5774016"/>
+            <a:off x="999009" y="5774016"/>
             <a:ext cx="838278" cy="374370"/>
           </a:xfrm>
           <a:prstGeom prst="rect">
@@ -4180,7 +4172,11 @@
           </a:bodyPr>
           <a:lstStyle>
             <a:lvl1pPr>
-              <a:defRPr sz="1800"/>
+              <a:defRPr sz="1800">
+                <a:solidFill>
+                  <a:srgbClr val="FFFFFF"/>
+                </a:solidFill>
+              </a:defRPr>
             </a:lvl1pPr>
           </a:lstStyle>
           <a:p>
@@ -4220,7 +4216,11 @@
           </a:bodyPr>
           <a:lstStyle>
             <a:lvl1pPr>
-              <a:defRPr sz="1500"/>
+              <a:defRPr sz="1500">
+                <a:solidFill>
+                  <a:srgbClr val="FFFFFF"/>
+                </a:solidFill>
+              </a:defRPr>
             </a:lvl1pPr>
           </a:lstStyle>
           <a:p>
@@ -4239,8 +4239,8 @@
         </p:nvSpPr>
         <p:spPr>
           <a:xfrm>
-            <a:off x="2727559" y="5761684"/>
-            <a:ext cx="1613149" cy="399033"/>
+            <a:off x="2727559" y="5761683"/>
+            <a:ext cx="1613150" cy="399034"/>
           </a:xfrm>
           <a:prstGeom prst="rect">
             <a:avLst/>
@@ -4261,13 +4261,17 @@
           <a:lstStyle/>
           <a:p>
             <a:pPr>
-              <a:defRPr sz="2000"/>
+              <a:defRPr sz="1800">
+                <a:solidFill>
+                  <a:srgbClr val="FFFFFF"/>
+                </a:solidFill>
+              </a:defRPr>
             </a:pPr>
             <a:r>
-              <a:rPr sz="1800"/>
               <a:t>Preprocessing</a:t>
             </a:r>
             <a:r>
+              <a:rPr sz="2000"/>
               <a:t> </a:t>
             </a:r>
           </a:p>
@@ -4281,8 +4285,8 @@
         </p:nvSpPr>
         <p:spPr>
           <a:xfrm>
-            <a:off x="2727559" y="6193806"/>
-            <a:ext cx="1613149" cy="1467675"/>
+            <a:off x="2727559" y="6308106"/>
+            <a:ext cx="1613150" cy="1239075"/>
           </a:xfrm>
           <a:prstGeom prst="rect">
             <a:avLst/>
@@ -4303,7 +4307,11 @@
           <a:lstStyle/>
           <a:p>
             <a:pPr>
-              <a:defRPr sz="1500"/>
+              <a:defRPr sz="1500">
+                <a:solidFill>
+                  <a:srgbClr val="FFFFFF"/>
+                </a:solidFill>
+              </a:defRPr>
             </a:pPr>
             <a:r>
               <a:t>Cleaning</a:t>
@@ -4311,7 +4319,11 @@
           </a:p>
           <a:p>
             <a:pPr>
-              <a:defRPr sz="1500"/>
+              <a:defRPr sz="1500">
+                <a:solidFill>
+                  <a:srgbClr val="FFFFFF"/>
+                </a:solidFill>
+              </a:defRPr>
             </a:pPr>
             <a:r>
               <a:t>Tokenization</a:t>
@@ -4319,7 +4331,11 @@
           </a:p>
           <a:p>
             <a:pPr>
-              <a:defRPr sz="1500"/>
+              <a:defRPr sz="1500">
+                <a:solidFill>
+                  <a:srgbClr val="FFFFFF"/>
+                </a:solidFill>
+              </a:defRPr>
             </a:pPr>
             <a:r>
               <a:t> Lemmatization</a:t>
@@ -4327,17 +4343,16 @@
           </a:p>
           <a:p>
             <a:pPr>
-              <a:defRPr sz="1500"/>
+              <a:defRPr sz="1500">
+                <a:solidFill>
+                  <a:srgbClr val="FFFFFF"/>
+                </a:solidFill>
+              </a:defRPr>
             </a:pPr>
             <a:r>
               <a:t>Removal of words</a:t>
             </a:r>
           </a:p>
-          <a:p>
-            <a:pPr>
-              <a:defRPr sz="1500"/>
-            </a:pPr>
-          </a:p>
         </p:txBody>
       </p:sp>
       <p:sp>
@@ -4348,7 +4363,7 @@
         </p:nvSpPr>
         <p:spPr>
           <a:xfrm>
-            <a:off x="4832261" y="5774016"/>
+            <a:off x="4832260" y="5774016"/>
             <a:ext cx="1597915" cy="374370"/>
           </a:xfrm>
           <a:prstGeom prst="rect">
@@ -4369,7 +4384,11 @@
           </a:bodyPr>
           <a:lstStyle>
             <a:lvl1pPr>
-              <a:defRPr sz="1800"/>
+              <a:defRPr sz="1800">
+                <a:solidFill>
+                  <a:srgbClr val="FFFFFF"/>
+                </a:solidFill>
+              </a:defRPr>
             </a:lvl1pPr>
           </a:lstStyle>
           <a:p>
@@ -4388,7 +4407,7 @@
         </p:nvSpPr>
         <p:spPr>
           <a:xfrm>
-            <a:off x="5416564" y="6343189"/>
+            <a:off x="5416563" y="6343189"/>
             <a:ext cx="467107" cy="324675"/>
           </a:xfrm>
           <a:prstGeom prst="rect">
@@ -4409,7 +4428,11 @@
           </a:bodyPr>
           <a:lstStyle>
             <a:lvl1pPr>
-              <a:defRPr sz="1500"/>
+              <a:defRPr sz="1500">
+                <a:solidFill>
+                  <a:srgbClr val="FFFFFF"/>
+                </a:solidFill>
+              </a:defRPr>
             </a:lvl1pPr>
           </a:lstStyle>
           <a:p>
@@ -4428,8 +4451,8 @@
         </p:nvSpPr>
         <p:spPr>
           <a:xfrm>
-            <a:off x="2700511" y="8091512"/>
-            <a:ext cx="1613148" cy="653770"/>
+            <a:off x="2700510" y="8091512"/>
+            <a:ext cx="1613149" cy="653770"/>
           </a:xfrm>
           <a:prstGeom prst="rect">
             <a:avLst/>
@@ -4449,7 +4472,11 @@
           </a:bodyPr>
           <a:lstStyle>
             <a:lvl1pPr>
-              <a:defRPr sz="1800"/>
+              <a:defRPr sz="1800">
+                <a:solidFill>
+                  <a:srgbClr val="FFFFFF"/>
+                </a:solidFill>
+              </a:defRPr>
             </a:lvl1pPr>
           </a:lstStyle>
           <a:p>
@@ -4468,8 +4495,8 @@
         </p:nvSpPr>
         <p:spPr>
           <a:xfrm>
-            <a:off x="2752997" y="8766868"/>
-            <a:ext cx="1508176" cy="553275"/>
+            <a:off x="2752997" y="8766867"/>
+            <a:ext cx="1508177" cy="553276"/>
           </a:xfrm>
           <a:prstGeom prst="rect">
             <a:avLst/>
@@ -4489,7 +4516,11 @@
           </a:bodyPr>
           <a:lstStyle>
             <a:lvl1pPr>
-              <a:defRPr sz="1500"/>
+              <a:defRPr sz="1500">
+                <a:solidFill>
+                  <a:srgbClr val="FFFFFF"/>
+                </a:solidFill>
+              </a:defRPr>
             </a:lvl1pPr>
           </a:lstStyle>
           <a:p>
@@ -4509,7 +4540,7 @@
         <p:spPr>
           <a:xfrm>
             <a:off x="9977556" y="8271015"/>
-            <a:ext cx="1852870" cy="933170"/>
+            <a:ext cx="1852871" cy="933170"/>
           </a:xfrm>
           <a:prstGeom prst="rect">
             <a:avLst/>
@@ -4529,7 +4560,11 @@
           </a:bodyPr>
           <a:lstStyle>
             <a:lvl1pPr>
-              <a:defRPr sz="1800"/>
+              <a:defRPr sz="1800">
+                <a:solidFill>
+                  <a:srgbClr val="FFFFFF"/>
+                </a:solidFill>
+              </a:defRPr>
             </a:lvl1pPr>
           </a:lstStyle>
           <a:p>
@@ -4548,8 +4583,8 @@
         </p:nvSpPr>
         <p:spPr>
           <a:xfrm>
-            <a:off x="6943144" y="5792398"/>
-            <a:ext cx="1613148" cy="933170"/>
+            <a:off x="6943143" y="5792397"/>
+            <a:ext cx="1613149" cy="933171"/>
           </a:xfrm>
           <a:prstGeom prst="rect">
             <a:avLst/>
@@ -4569,7 +4604,11 @@
           </a:bodyPr>
           <a:lstStyle>
             <a:lvl1pPr>
-              <a:defRPr sz="1800"/>
+              <a:defRPr sz="1800">
+                <a:solidFill>
+                  <a:srgbClr val="FFFFFF"/>
+                </a:solidFill>
+              </a:defRPr>
             </a:lvl1pPr>
           </a:lstStyle>
           <a:p>
@@ -4588,7 +4627,7 @@
         </p:nvSpPr>
         <p:spPr>
           <a:xfrm>
-            <a:off x="9421471" y="5774016"/>
+            <a:off x="9421470" y="5774016"/>
             <a:ext cx="1100710" cy="374370"/>
           </a:xfrm>
           <a:prstGeom prst="rect">
@@ -4609,7 +4648,11 @@
           </a:bodyPr>
           <a:lstStyle>
             <a:lvl1pPr>
-              <a:defRPr sz="1800"/>
+              <a:defRPr sz="1800">
+                <a:solidFill>
+                  <a:srgbClr val="FFFFFF"/>
+                </a:solidFill>
+              </a:defRPr>
             </a:lvl1pPr>
           </a:lstStyle>
           <a:p>
@@ -4629,7 +4672,7 @@
         <p:spPr>
           <a:xfrm>
             <a:off x="9516054" y="6343189"/>
-            <a:ext cx="911544" cy="324675"/>
+            <a:ext cx="911543" cy="324675"/>
           </a:xfrm>
           <a:prstGeom prst="rect">
             <a:avLst/>
@@ -4649,7 +4692,11 @@
           </a:bodyPr>
           <a:lstStyle>
             <a:lvl1pPr>
-              <a:defRPr sz="1500"/>
+              <a:defRPr sz="1500">
+                <a:solidFill>
+                  <a:srgbClr val="FFFFFF"/>
+                </a:solidFill>
+              </a:defRPr>
             </a:lvl1pPr>
           </a:lstStyle>
           <a:p>
@@ -4668,8 +4715,8 @@
         </p:nvSpPr>
         <p:spPr>
           <a:xfrm>
-            <a:off x="4824644" y="3540818"/>
-            <a:ext cx="1613149" cy="653770"/>
+            <a:off x="4824643" y="3540818"/>
+            <a:ext cx="1613150" cy="653770"/>
           </a:xfrm>
           <a:prstGeom prst="rect">
             <a:avLst/>
@@ -4689,7 +4736,11 @@
           </a:bodyPr>
           <a:lstStyle>
             <a:lvl1pPr>
-              <a:defRPr sz="1800"/>
+              <a:defRPr sz="1800">
+                <a:solidFill>
+                  <a:srgbClr val="FFFFFF"/>
+                </a:solidFill>
+              </a:defRPr>
             </a:lvl1pPr>
           </a:lstStyle>
           <a:p>
@@ -4708,8 +4759,8 @@
         </p:nvSpPr>
         <p:spPr>
           <a:xfrm>
-            <a:off x="8970340" y="3401118"/>
-            <a:ext cx="1747896" cy="933170"/>
+            <a:off x="8970340" y="3401117"/>
+            <a:ext cx="1747897" cy="933171"/>
           </a:xfrm>
           <a:prstGeom prst="rect">
             <a:avLst/>
@@ -4729,7 +4780,11 @@
           </a:bodyPr>
           <a:lstStyle>
             <a:lvl1pPr>
-              <a:defRPr sz="1800"/>
+              <a:defRPr sz="1800">
+                <a:solidFill>
+                  <a:srgbClr val="FFFFFF"/>
+                </a:solidFill>
+              </a:defRPr>
             </a:lvl1pPr>
           </a:lstStyle>
           <a:p>
@@ -4748,8 +4803,8 @@
         </p:nvSpPr>
         <p:spPr>
           <a:xfrm>
-            <a:off x="611575" y="8271015"/>
-            <a:ext cx="1613148" cy="933170"/>
+            <a:off x="611574" y="8271015"/>
+            <a:ext cx="1613149" cy="933170"/>
           </a:xfrm>
           <a:prstGeom prst="rect">
             <a:avLst/>
@@ -4769,7 +4824,11 @@
           </a:bodyPr>
           <a:lstStyle>
             <a:lvl1pPr>
-              <a:defRPr sz="1800"/>
+              <a:defRPr sz="1800">
+                <a:solidFill>
+                  <a:srgbClr val="FFFFFF"/>
+                </a:solidFill>
+              </a:defRPr>
             </a:lvl1pPr>
           </a:lstStyle>
           <a:p>
@@ -4789,7 +4848,7 @@
         <p:spPr>
           <a:xfrm>
             <a:off x="11245019" y="5932098"/>
-            <a:ext cx="1494664" cy="653770"/>
+            <a:ext cx="1494665" cy="653770"/>
           </a:xfrm>
           <a:prstGeom prst="rect">
             <a:avLst/>
@@ -4809,7 +4868,11 @@
           </a:bodyPr>
           <a:lstStyle>
             <a:lvl1pPr>
-              <a:defRPr sz="1800"/>
+              <a:defRPr sz="1800">
+                <a:solidFill>
+                  <a:srgbClr val="FFFFFF"/>
+                </a:solidFill>
+              </a:defRPr>
             </a:lvl1pPr>
           </a:lstStyle>
           <a:p>
@@ -4829,7 +4892,7 @@
         <p:spPr>
           <a:xfrm>
             <a:off x="10794502" y="6258983"/>
-            <a:ext cx="375173" cy="1"/>
+            <a:ext cx="375174" cy="2"/>
           </a:xfrm>
           <a:prstGeom prst="line">
             <a:avLst/>
@@ -4843,11 +4906,15 @@
           </a:ln>
         </p:spPr>
         <p:txBody>
-          <a:bodyPr lIns="50800" tIns="50800" rIns="50800" bIns="50800" anchor="ctr"/>
+          <a:bodyPr lIns="45718" tIns="45718" rIns="45718" bIns="45718"/>
           <a:lstStyle/>
           <a:p>
             <a:pPr>
-              <a:defRPr sz="3600"/>
+              <a:defRPr>
+                <a:solidFill>
+                  <a:srgbClr val="FFFFFF"/>
+                </a:solidFill>
+              </a:defRPr>
             </a:pPr>
           </a:p>
         </p:txBody>
@@ -4860,8 +4927,8 @@
         </p:nvSpPr>
         <p:spPr>
           <a:xfrm>
-            <a:off x="2230073" y="6258983"/>
-            <a:ext cx="375172" cy="1"/>
+            <a:off x="2230072" y="6258983"/>
+            <a:ext cx="375173" cy="2"/>
           </a:xfrm>
           <a:prstGeom prst="line">
             <a:avLst/>
@@ -4875,11 +4942,15 @@
           </a:ln>
         </p:spPr>
         <p:txBody>
-          <a:bodyPr lIns="50800" tIns="50800" rIns="50800" bIns="50800" anchor="ctr"/>
+          <a:bodyPr lIns="45718" tIns="45718" rIns="45718" bIns="45718"/>
           <a:lstStyle/>
           <a:p>
             <a:pPr>
-              <a:defRPr sz="3600"/>
+              <a:defRPr>
+                <a:solidFill>
+                  <a:srgbClr val="FFFFFF"/>
+                </a:solidFill>
+              </a:defRPr>
             </a:pPr>
           </a:p>
         </p:txBody>
@@ -4893,7 +4964,7 @@
         <p:spPr>
           <a:xfrm>
             <a:off x="4370104" y="6258983"/>
-            <a:ext cx="375172" cy="1"/>
+            <a:ext cx="375173" cy="2"/>
           </a:xfrm>
           <a:prstGeom prst="line">
             <a:avLst/>
@@ -4907,11 +4978,15 @@
           </a:ln>
         </p:spPr>
         <p:txBody>
-          <a:bodyPr lIns="50800" tIns="50800" rIns="50800" bIns="50800" anchor="ctr"/>
+          <a:bodyPr lIns="45718" tIns="45718" rIns="45718" bIns="45718"/>
           <a:lstStyle/>
           <a:p>
             <a:pPr>
-              <a:defRPr sz="3600"/>
+              <a:defRPr>
+                <a:solidFill>
+                  <a:srgbClr val="FFFFFF"/>
+                </a:solidFill>
+              </a:defRPr>
             </a:pPr>
           </a:p>
         </p:txBody>
@@ -4925,7 +5000,7 @@
         <p:spPr>
           <a:xfrm>
             <a:off x="6502882" y="6258983"/>
-            <a:ext cx="375172" cy="1"/>
+            <a:ext cx="375173" cy="2"/>
           </a:xfrm>
           <a:prstGeom prst="line">
             <a:avLst/>
@@ -4939,11 +5014,15 @@
           </a:ln>
         </p:spPr>
         <p:txBody>
-          <a:bodyPr lIns="50800" tIns="50800" rIns="50800" bIns="50800" anchor="ctr"/>
+          <a:bodyPr lIns="45718" tIns="45718" rIns="45718" bIns="45718"/>
           <a:lstStyle/>
           <a:p>
             <a:pPr>
-              <a:defRPr sz="3600"/>
+              <a:defRPr>
+                <a:solidFill>
+                  <a:srgbClr val="FFFFFF"/>
+                </a:solidFill>
+              </a:defRPr>
             </a:pPr>
           </a:p>
         </p:txBody>
@@ -4957,7 +5036,7 @@
         <p:spPr>
           <a:xfrm>
             <a:off x="8621382" y="6258983"/>
-            <a:ext cx="375172" cy="1"/>
+            <a:ext cx="375173" cy="2"/>
           </a:xfrm>
           <a:prstGeom prst="line">
             <a:avLst/>
@@ -4971,11 +5050,15 @@
           </a:ln>
         </p:spPr>
         <p:txBody>
-          <a:bodyPr lIns="50800" tIns="50800" rIns="50800" bIns="50800" anchor="ctr"/>
+          <a:bodyPr lIns="45718" tIns="45718" rIns="45718" bIns="45718"/>
           <a:lstStyle/>
           <a:p>
             <a:pPr>
-              <a:defRPr sz="3600"/>
+              <a:defRPr>
+                <a:solidFill>
+                  <a:srgbClr val="FFFFFF"/>
+                </a:solidFill>
+              </a:defRPr>
             </a:pPr>
           </a:p>
         </p:txBody>
@@ -4989,7 +5072,7 @@
         <p:spPr>
           <a:xfrm>
             <a:off x="4956445" y="8737599"/>
-            <a:ext cx="4498185" cy="1"/>
+            <a:ext cx="4498186" cy="2"/>
           </a:xfrm>
           <a:prstGeom prst="line">
             <a:avLst/>
@@ -5003,11 +5086,15 @@
           </a:ln>
         </p:spPr>
         <p:txBody>
-          <a:bodyPr lIns="50800" tIns="50800" rIns="50800" bIns="50800" anchor="ctr"/>
+          <a:bodyPr lIns="45718" tIns="45718" rIns="45718" bIns="45718"/>
           <a:lstStyle/>
           <a:p>
             <a:pPr>
-              <a:defRPr sz="3600"/>
+              <a:defRPr>
+                <a:solidFill>
+                  <a:srgbClr val="FFFFFF"/>
+                </a:solidFill>
+              </a:defRPr>
             </a:pPr>
           </a:p>
         </p:txBody>
@@ -5021,7 +5108,7 @@
         <p:spPr>
           <a:xfrm flipH="1" flipV="1">
             <a:off x="5738424" y="4736458"/>
-            <a:ext cx="1" cy="653770"/>
+            <a:ext cx="2" cy="653771"/>
           </a:xfrm>
           <a:prstGeom prst="line">
             <a:avLst/>
@@ -5035,11 +5122,15 @@
           </a:ln>
         </p:spPr>
         <p:txBody>
-          <a:bodyPr lIns="50800" tIns="50800" rIns="50800" bIns="50800" anchor="ctr"/>
+          <a:bodyPr lIns="45718" tIns="45718" rIns="45718" bIns="45718"/>
           <a:lstStyle/>
           <a:p>
             <a:pPr>
-              <a:defRPr sz="3600"/>
+              <a:defRPr>
+                <a:solidFill>
+                  <a:srgbClr val="FFFFFF"/>
+                </a:solidFill>
+              </a:defRPr>
             </a:pPr>
           </a:p>
         </p:txBody>
@@ -5053,7 +5144,7 @@
         <p:spPr>
           <a:xfrm flipV="1">
             <a:off x="10092948" y="4689790"/>
-            <a:ext cx="1" cy="653770"/>
+            <a:ext cx="2" cy="653771"/>
           </a:xfrm>
           <a:prstGeom prst="line">
             <a:avLst/>
@@ -5067,11 +5158,15 @@
           </a:ln>
         </p:spPr>
         <p:txBody>
-          <a:bodyPr lIns="50800" tIns="50800" rIns="50800" bIns="50800" anchor="ctr"/>
+          <a:bodyPr lIns="45718" tIns="45718" rIns="45718" bIns="45718"/>
           <a:lstStyle/>
           <a:p>
             <a:pPr>
-              <a:defRPr sz="3600"/>
+              <a:defRPr>
+                <a:solidFill>
+                  <a:srgbClr val="FFFFFF"/>
+                </a:solidFill>
+              </a:defRPr>
             </a:pPr>
           </a:p>
         </p:txBody>
@@ -5085,7 +5180,7 @@
         <p:spPr>
           <a:xfrm>
             <a:off x="5448936" y="4740037"/>
-            <a:ext cx="1" cy="646612"/>
+            <a:ext cx="2" cy="646613"/>
           </a:xfrm>
           <a:prstGeom prst="line">
             <a:avLst/>
@@ -5099,11 +5194,15 @@
           </a:ln>
         </p:spPr>
         <p:txBody>
-          <a:bodyPr lIns="50800" tIns="50800" rIns="50800" bIns="50800" anchor="ctr"/>
+          <a:bodyPr lIns="45718" tIns="45718" rIns="45718" bIns="45718"/>
           <a:lstStyle/>
           <a:p>
             <a:pPr>
-              <a:defRPr sz="3600"/>
+              <a:defRPr>
+                <a:solidFill>
+                  <a:srgbClr val="FFFFFF"/>
+                </a:solidFill>
+              </a:defRPr>
             </a:pPr>
           </a:p>
         </p:txBody>
@@ -5117,7 +5216,7 @@
         <p:spPr>
           <a:xfrm>
             <a:off x="9688654" y="4689790"/>
-            <a:ext cx="1" cy="653770"/>
+            <a:ext cx="2" cy="653771"/>
           </a:xfrm>
           <a:prstGeom prst="line">
             <a:avLst/>
@@ -5131,11 +5230,15 @@
           </a:ln>
         </p:spPr>
         <p:txBody>
-          <a:bodyPr lIns="50800" tIns="50800" rIns="50800" bIns="50800" anchor="ctr"/>
+          <a:bodyPr lIns="45718" tIns="45718" rIns="45718" bIns="45718"/>
           <a:lstStyle/>
           <a:p>
             <a:pPr>
-              <a:defRPr sz="3600"/>
+              <a:defRPr>
+                <a:solidFill>
+                  <a:srgbClr val="FFFFFF"/>
+                </a:solidFill>
+              </a:defRPr>
             </a:pPr>
           </a:p>
         </p:txBody>
@@ -5148,8 +5251,8 @@
         </p:nvSpPr>
         <p:spPr>
           <a:xfrm>
-            <a:off x="6837562" y="3867702"/>
-            <a:ext cx="1852869" cy="1"/>
+            <a:off x="6837561" y="3867701"/>
+            <a:ext cx="1852870" cy="2"/>
           </a:xfrm>
           <a:prstGeom prst="line">
             <a:avLst/>
@@ -5163,11 +5266,15 @@
           </a:ln>
         </p:spPr>
         <p:txBody>
-          <a:bodyPr lIns="50800" tIns="50800" rIns="50800" bIns="50800" anchor="ctr"/>
+          <a:bodyPr lIns="45718" tIns="45718" rIns="45718" bIns="45718"/>
           <a:lstStyle/>
           <a:p>
             <a:pPr>
-              <a:defRPr sz="3600"/>
+              <a:defRPr>
+                <a:solidFill>
+                  <a:srgbClr val="FFFFFF"/>
+                </a:solidFill>
+              </a:defRPr>
             </a:pPr>
           </a:p>
         </p:txBody>
@@ -5180,8 +5287,8 @@
         </p:nvSpPr>
         <p:spPr>
           <a:xfrm flipH="1">
-            <a:off x="1416843" y="7003409"/>
-            <a:ext cx="1" cy="989766"/>
+            <a:off x="1416842" y="7003408"/>
+            <a:ext cx="2" cy="989767"/>
           </a:xfrm>
           <a:prstGeom prst="line">
             <a:avLst/>
@@ -5195,11 +5302,15 @@
           </a:ln>
         </p:spPr>
         <p:txBody>
-          <a:bodyPr lIns="50800" tIns="50800" rIns="50800" bIns="50800" anchor="ctr"/>
+          <a:bodyPr lIns="45718" tIns="45718" rIns="45718" bIns="45718"/>
           <a:lstStyle/>
           <a:p>
             <a:pPr>
-              <a:defRPr sz="3600"/>
+              <a:defRPr>
+                <a:solidFill>
+                  <a:srgbClr val="FFFFFF"/>
+                </a:solidFill>
+              </a:defRPr>
             </a:pPr>
           </a:p>
         </p:txBody>
@@ -5215,8 +5326,8 @@
         </p:nvCxnSpPr>
         <p:spPr>
           <a:xfrm flipV="1">
-            <a:off x="1418149" y="3867702"/>
-            <a:ext cx="4213070" cy="2391282"/>
+            <a:off x="1418148" y="3867702"/>
+            <a:ext cx="4213071" cy="2391282"/>
           </a:xfrm>
           <a:prstGeom prst="straightConnector1">
             <a:avLst/>
@@ -5237,8 +5348,8 @@
         </p:nvSpPr>
         <p:spPr>
           <a:xfrm>
-            <a:off x="5615626" y="7020524"/>
-            <a:ext cx="3852510" cy="1499533"/>
+            <a:off x="5615625" y="7020524"/>
+            <a:ext cx="3852510" cy="1499534"/>
           </a:xfrm>
           <a:prstGeom prst="line">
             <a:avLst/>
@@ -5252,11 +5363,15 @@
           </a:ln>
         </p:spPr>
         <p:txBody>
-          <a:bodyPr lIns="50800" tIns="50800" rIns="50800" bIns="50800" anchor="ctr"/>
+          <a:bodyPr lIns="45718" tIns="45718" rIns="45718" bIns="45718"/>
           <a:lstStyle/>
           <a:p>
             <a:pPr>
-              <a:defRPr sz="3600"/>
+              <a:defRPr>
+                <a:solidFill>
+                  <a:srgbClr val="FFFFFF"/>
+                </a:solidFill>
+              </a:defRPr>
             </a:pPr>
           </a:p>
         </p:txBody>
@@ -5270,7 +5385,7 @@
         <p:spPr>
           <a:xfrm>
             <a:off x="2268831" y="8737599"/>
-            <a:ext cx="467107" cy="1"/>
+            <a:ext cx="467108" cy="2"/>
           </a:xfrm>
           <a:prstGeom prst="line">
             <a:avLst/>
@@ -5284,11 +5399,15 @@
           </a:ln>
         </p:spPr>
         <p:txBody>
-          <a:bodyPr lIns="50800" tIns="50800" rIns="50800" bIns="50800" anchor="ctr"/>
+          <a:bodyPr lIns="45718" tIns="45718" rIns="45718" bIns="45718"/>
           <a:lstStyle/>
           <a:p>
             <a:pPr>
-              <a:defRPr sz="3600"/>
+              <a:defRPr>
+                <a:solidFill>
+                  <a:srgbClr val="FFFFFF"/>
+                </a:solidFill>
+              </a:defRPr>
             </a:pPr>
           </a:p>
         </p:txBody>
@@ -5302,7 +5421,7 @@
         <p:spPr>
           <a:xfrm flipH="1">
             <a:off x="2268831" y="9043505"/>
-            <a:ext cx="467107" cy="1"/>
+            <a:ext cx="467108" cy="2"/>
           </a:xfrm>
           <a:prstGeom prst="line">
             <a:avLst/>
@@ -5316,11 +5435,15 @@
           </a:ln>
         </p:spPr>
         <p:txBody>
-          <a:bodyPr lIns="50800" tIns="50800" rIns="50800" bIns="50800" anchor="ctr"/>
+          <a:bodyPr lIns="45718" tIns="45718" rIns="45718" bIns="45718"/>
           <a:lstStyle/>
           <a:p>
             <a:pPr>
-              <a:defRPr sz="3600"/>
+              <a:defRPr>
+                <a:solidFill>
+                  <a:srgbClr val="FFFFFF"/>
+                </a:solidFill>
+              </a:defRPr>
             </a:pPr>
           </a:p>
         </p:txBody>
@@ -5333,8 +5456,8 @@
         </p:nvSpPr>
         <p:spPr>
           <a:xfrm>
-            <a:off x="90041" y="6258983"/>
-            <a:ext cx="375172" cy="1"/>
+            <a:off x="90040" y="6258983"/>
+            <a:ext cx="375173" cy="2"/>
           </a:xfrm>
           <a:prstGeom prst="line">
             <a:avLst/>
@@ -5348,11 +5471,15 @@
           </a:ln>
         </p:spPr>
         <p:txBody>
-          <a:bodyPr lIns="50800" tIns="50800" rIns="50800" bIns="50800" anchor="ctr"/>
+          <a:bodyPr lIns="45718" tIns="45718" rIns="45718" bIns="45718"/>
           <a:lstStyle/>
           <a:p>
             <a:pPr>
-              <a:defRPr sz="3600"/>
+              <a:defRPr>
+                <a:solidFill>
+                  <a:srgbClr val="FFFFFF"/>
+                </a:solidFill>
+              </a:defRPr>
             </a:pPr>
           </a:p>
         </p:txBody>
@@ -5362,13 +5489,13 @@
           <p:cNvPr id="172" name="Slide Number"/>
           <p:cNvSpPr txBox="1"/>
           <p:nvPr>
-            <p:ph type="sldNum" sz="quarter" idx="2"/>
+            <p:ph type="sldNum" sz="quarter" idx="4294967295"/>
           </p:nvPr>
         </p:nvSpPr>
         <p:spPr>
           <a:xfrm>
-            <a:off x="12635077" y="9311678"/>
-            <a:ext cx="213158" cy="312344"/>
+            <a:off x="12635076" y="9311678"/>
+            <a:ext cx="213158" cy="312343"/>
           </a:xfrm>
           <a:prstGeom prst="rect">
             <a:avLst/>
@@ -5505,13 +5632,13 @@
           <p:cNvPr id="176" name="Slide Number"/>
           <p:cNvSpPr txBox="1"/>
           <p:nvPr>
-            <p:ph type="sldNum" sz="quarter" idx="2"/>
+            <p:ph type="sldNum" sz="quarter" idx="4294967295"/>
           </p:nvPr>
         </p:nvSpPr>
         <p:spPr>
           <a:xfrm>
-            <a:off x="12635077" y="9311678"/>
-            <a:ext cx="213158" cy="312344"/>
+            <a:off x="12635076" y="9311678"/>
+            <a:ext cx="213158" cy="312343"/>
           </a:xfrm>
           <a:prstGeom prst="rect">
             <a:avLst/>
@@ -5565,7 +5692,7 @@
         <p:nvPicPr>
           <p:cNvPr id="178" name="Image" descr="Image"/>
           <p:cNvPicPr>
-            <a:picLocks noChangeAspect="0"/>
+            <a:picLocks noChangeAspect="1"/>
           </p:cNvPicPr>
           <p:nvPr>
             <p:ph type="pic" idx="13"/>
@@ -5656,13 +5783,13 @@
           <p:cNvPr id="181" name="Slide Number"/>
           <p:cNvSpPr txBox="1"/>
           <p:nvPr>
-            <p:ph type="sldNum" sz="quarter" idx="2"/>
+            <p:ph type="sldNum" sz="quarter" idx="4294967295"/>
           </p:nvPr>
         </p:nvSpPr>
         <p:spPr>
           <a:xfrm>
-            <a:off x="12635077" y="9311678"/>
-            <a:ext cx="213158" cy="312344"/>
+            <a:off x="12635076" y="9311678"/>
+            <a:ext cx="213158" cy="312343"/>
           </a:xfrm>
           <a:prstGeom prst="rect">
             <a:avLst/>
@@ -5762,13 +5889,13 @@
           <p:cNvPr id="185" name="Slide Number"/>
           <p:cNvSpPr txBox="1"/>
           <p:nvPr>
-            <p:ph type="sldNum" sz="quarter" idx="2"/>
+            <p:ph type="sldNum" sz="quarter" idx="4294967295"/>
           </p:nvPr>
         </p:nvSpPr>
         <p:spPr>
           <a:xfrm>
-            <a:off x="12635077" y="9311678"/>
-            <a:ext cx="213158" cy="312344"/>
+            <a:off x="12635076" y="9311678"/>
+            <a:ext cx="213158" cy="312343"/>
           </a:xfrm>
           <a:prstGeom prst="rect">
             <a:avLst/>
@@ -5800,8 +5927,8 @@
         </p:nvSpPr>
         <p:spPr>
           <a:xfrm>
-            <a:off x="5897840" y="4988732"/>
-            <a:ext cx="1209120" cy="1325536"/>
+            <a:off x="5897828" y="4988731"/>
+            <a:ext cx="1209132" cy="1325537"/>
           </a:xfrm>
           <a:custGeom>
             <a:avLst/>
@@ -5926,7 +6053,11 @@
           <a:lstStyle/>
           <a:p>
             <a:pPr>
-              <a:defRPr sz="3600"/>
+              <a:defRPr sz="3600">
+                <a:solidFill>
+                  <a:srgbClr val="FFFFFF"/>
+                </a:solidFill>
+              </a:defRPr>
             </a:pPr>
           </a:p>
         </p:txBody>
@@ -5959,7 +6090,7 @@
       </p:grpSpPr>
       <p:sp>
         <p:nvSpPr>
-          <p:cNvPr id="188" name="Initial Results"/>
+          <p:cNvPr id="188" name="References"/>
           <p:cNvSpPr txBox="1"/>
           <p:nvPr>
             <p:ph type="title"/>
@@ -5976,14 +6107,14 @@
           <a:p>
             <a:pPr/>
             <a:r>
-              <a:t>Initial Results</a:t>
+              <a:t>References</a:t>
             </a:r>
           </a:p>
         </p:txBody>
       </p:sp>
       <p:sp>
         <p:nvSpPr>
-          <p:cNvPr id="189" name="abb. k means, histogramm…"/>
+          <p:cNvPr id="189" name="Burscher, B., Vliegenthart, R. and Vreese, C.H.D., 2016. Frames Beyond words: applying cluster and sentiment analysis to news coverage of the nuclear power issue. Social Science Computer Review, Vol. 34(5), pp.530-545.…"/>
           <p:cNvSpPr txBox="1"/>
           <p:nvPr>
             <p:ph type="body" idx="1"/>
@@ -5998,556 +6129,235 @@
           <a:bodyPr/>
           <a:lstStyle/>
           <a:p>
-            <a:pPr marL="435609" indent="-435609" defTabSz="572516">
+            <a:pPr marL="0" indent="0" defTabSz="457200">
+              <a:lnSpc>
+                <a:spcPts val="4200"/>
+              </a:lnSpc>
               <a:spcBef>
-                <a:spcPts val="3500"/>
+                <a:spcPts val="1200"/>
               </a:spcBef>
-              <a:buBlip>
-                <a:blip r:embed="rId2"/>
-              </a:buBlip>
-              <a:defRPr sz="3528">
-                <a:effectLst>
-                  <a:outerShdw sx="100000" sy="100000" kx="0" ky="0" algn="b" rotWithShape="0" blurRad="49784" dist="37338" dir="5400000">
-                    <a:srgbClr val="000000"/>
-                  </a:outerShdw>
-                </a:effectLst>
+              <a:buSzTx/>
+              <a:buNone/>
+              <a:defRPr sz="2000">
+                <a:effectLst/>
+                <a:latin typeface="Times New Roman"/>
+                <a:ea typeface="Times New Roman"/>
+                <a:cs typeface="Times New Roman"/>
+                <a:sym typeface="Times New Roman"/>
               </a:defRPr>
             </a:pPr>
             <a:r>
-              <a:t>abb. k means, histogramm </a:t>
+              <a:t>Burscher, B., Vliegenthart, R. and Vreese, C.H.D., 2016. Frames Beyond words: applying cluster and sentiment analysis to news coverage of the nuclear power issue. Social Science Computer Review, Vol. 34(5), pp.530-545. </a:t>
             </a:r>
-          </a:p>
-          <a:p>
-            <a:pPr marL="435609" indent="-435609" defTabSz="572516">
+            <a:endParaRPr>
+              <a:latin typeface="Times"/>
+              <a:ea typeface="Times"/>
+              <a:cs typeface="Times"/>
+              <a:sym typeface="Times"/>
+            </a:endParaRPr>
+          </a:p>
+          <a:p>
+            <a:pPr marL="0" indent="0" defTabSz="457200">
+              <a:lnSpc>
+                <a:spcPts val="4200"/>
+              </a:lnSpc>
               <a:spcBef>
-                <a:spcPts val="3500"/>
+                <a:spcPts val="1200"/>
               </a:spcBef>
-              <a:buBlip>
-                <a:blip r:embed="rId2"/>
-              </a:buBlip>
-              <a:defRPr sz="3528">
-                <a:effectLst>
-                  <a:outerShdw sx="100000" sy="100000" kx="0" ky="0" algn="b" rotWithShape="0" blurRad="49784" dist="37338" dir="5400000">
-                    <a:srgbClr val="000000"/>
-                  </a:outerShdw>
-                </a:effectLst>
+              <a:buSzTx/>
+              <a:buNone/>
+              <a:defRPr sz="2000">
+                <a:effectLst/>
+                <a:latin typeface="Times New Roman"/>
+                <a:ea typeface="Times New Roman"/>
+                <a:cs typeface="Times New Roman"/>
+                <a:sym typeface="Times New Roman"/>
               </a:defRPr>
             </a:pPr>
-          </a:p>
-          <a:p>
-            <a:pPr marL="435609" indent="-435609" defTabSz="572516">
+            <a:endParaRPr>
+              <a:latin typeface="Times"/>
+              <a:ea typeface="Times"/>
+              <a:cs typeface="Times"/>
+              <a:sym typeface="Times"/>
+            </a:endParaRPr>
+          </a:p>
+          <a:p>
+            <a:pPr marL="0" indent="0" defTabSz="457200">
+              <a:lnSpc>
+                <a:spcPts val="4200"/>
+              </a:lnSpc>
               <a:spcBef>
-                <a:spcPts val="3500"/>
+                <a:spcPts val="1200"/>
               </a:spcBef>
-              <a:buBlip>
-                <a:blip r:embed="rId2"/>
-              </a:buBlip>
-              <a:defRPr sz="3528">
-                <a:effectLst>
-                  <a:outerShdw sx="100000" sy="100000" kx="0" ky="0" algn="b" rotWithShape="0" blurRad="49784" dist="37338" dir="5400000">
-                    <a:srgbClr val="000000"/>
-                  </a:outerShdw>
-                </a:effectLst>
+              <a:buSzTx/>
+              <a:buNone/>
+              <a:defRPr sz="2000">
+                <a:effectLst/>
+                <a:latin typeface="Times New Roman"/>
+                <a:ea typeface="Times New Roman"/>
+                <a:cs typeface="Times New Roman"/>
+                <a:sym typeface="Times New Roman"/>
               </a:defRPr>
             </a:pPr>
             <a:r>
-              <a:t>Deswegen neues Korpus; noch dazu: dass wir ja noch nicht mit manual eval verglichen haben! </a:t>
+              <a:t>Hutto, C.J. &amp; Gilbert, E.E., 2014. VADER: A Parsimonious Rule-based Model for Sentiment Analysis of Social Media Text. Eighth International Conference on Weblogs and Social Media (ICWSM-14). Ann Arbor, MI, June 2014. </a:t>
             </a:r>
-          </a:p>
-          <a:p>
-            <a:pPr marL="435609" indent="-435609" defTabSz="572516">
+            <a:endParaRPr sz="1200">
+              <a:latin typeface="Times"/>
+              <a:ea typeface="Times"/>
+              <a:cs typeface="Times"/>
+              <a:sym typeface="Times"/>
+            </a:endParaRPr>
+          </a:p>
+          <a:p>
+            <a:pPr marL="0" indent="0" defTabSz="457200">
+              <a:lnSpc>
+                <a:spcPts val="3700"/>
+              </a:lnSpc>
               <a:spcBef>
-                <a:spcPts val="3500"/>
+                <a:spcPts val="1200"/>
               </a:spcBef>
-              <a:buBlip>
-                <a:blip r:embed="rId2"/>
-              </a:buBlip>
-              <a:defRPr sz="3528">
-                <a:effectLst>
-                  <a:outerShdw sx="100000" sy="100000" kx="0" ky="0" algn="b" rotWithShape="0" blurRad="49784" dist="37338" dir="5400000">
-                    <a:srgbClr val="000000"/>
-                  </a:outerShdw>
-                </a:effectLst>
+              <a:buSzTx/>
+              <a:buNone/>
+              <a:defRPr sz="1600">
+                <a:effectLst/>
+                <a:latin typeface="Times New Roman"/>
+                <a:ea typeface="Times New Roman"/>
+                <a:cs typeface="Times New Roman"/>
+                <a:sym typeface="Times New Roman"/>
               </a:defRPr>
             </a:pPr>
-            <a:r>
-              <a:t>Vielleicht preprocessing ändern (also mehrere Worte rauschmeißen)</a:t>
-            </a:r>
-          </a:p>
-          <a:p>
-            <a:pPr marL="435609" indent="-435609" defTabSz="572516">
+            <a:endParaRPr>
+              <a:latin typeface="Times"/>
+              <a:ea typeface="Times"/>
+              <a:cs typeface="Times"/>
+              <a:sym typeface="Times"/>
+            </a:endParaRPr>
+          </a:p>
+          <a:p>
+            <a:pPr marL="0" indent="0" defTabSz="457200">
+              <a:lnSpc>
+                <a:spcPts val="4200"/>
+              </a:lnSpc>
               <a:spcBef>
-                <a:spcPts val="3500"/>
+                <a:spcPts val="1200"/>
               </a:spcBef>
-              <a:buBlip>
-                <a:blip r:embed="rId2"/>
-              </a:buBlip>
-              <a:defRPr sz="3528">
-                <a:effectLst>
-                  <a:outerShdw sx="100000" sy="100000" kx="0" ky="0" algn="b" rotWithShape="0" blurRad="49784" dist="37338" dir="5400000">
-                    <a:srgbClr val="000000"/>
-                  </a:outerShdw>
-                </a:effectLst>
+              <a:buSzTx/>
+              <a:buNone/>
+              <a:defRPr sz="2000">
+                <a:effectLst/>
+                <a:latin typeface="Times New Roman"/>
+                <a:ea typeface="Times New Roman"/>
+                <a:cs typeface="Times New Roman"/>
+                <a:sym typeface="Times New Roman"/>
               </a:defRPr>
             </a:pPr>
-            <a:r>
-              <a:t>SA </a:t>
-            </a:r>
-          </a:p>
-        </p:txBody>
-      </p:sp>
-      <p:sp>
-        <p:nvSpPr>
-          <p:cNvPr id="190" name="Slide Number"/>
-          <p:cNvSpPr txBox="1"/>
-          <p:nvPr>
-            <p:ph type="sldNum" sz="quarter" idx="2"/>
-          </p:nvPr>
-        </p:nvSpPr>
-        <p:spPr>
-          <a:xfrm>
-            <a:off x="12635077" y="9311678"/>
-            <a:ext cx="213158" cy="312344"/>
-          </a:xfrm>
-          <a:prstGeom prst="rect">
-            <a:avLst/>
-          </a:prstGeom>
-          <a:extLst>
-            <a:ext uri="{C572A759-6A51-4108-AA02-DFA0A04FC94B}">
-              <ma14:wrappingTextBoxFlag xmlns:ma14="http://schemas.microsoft.com/office/mac/drawingml/2011/main" val="1"/>
-            </a:ext>
-          </a:extLst>
-        </p:spPr>
-        <p:txBody>
-          <a:bodyPr/>
-          <a:lstStyle/>
-          <a:p>
-            <a:pPr>
-              <a:defRPr>
+            <a:endParaRPr>
+              <a:latin typeface="Times"/>
+              <a:ea typeface="Times"/>
+              <a:cs typeface="Times"/>
+              <a:sym typeface="Times"/>
+            </a:endParaRPr>
+          </a:p>
+          <a:p>
+            <a:pPr marL="0" indent="0" defTabSz="457200">
+              <a:lnSpc>
+                <a:spcPts val="4200"/>
+              </a:lnSpc>
+              <a:spcBef>
+                <a:spcPts val="1200"/>
+              </a:spcBef>
+              <a:buSzTx/>
+              <a:buNone/>
+              <a:defRPr sz="2000">
                 <a:effectLst/>
+                <a:latin typeface="Times New Roman"/>
+                <a:ea typeface="Times New Roman"/>
+                <a:cs typeface="Times New Roman"/>
+                <a:sym typeface="Times New Roman"/>
               </a:defRPr>
             </a:pPr>
-            <a:fld id="{86CB4B4D-7CA3-9044-876B-883B54F8677D}" type="slidenum"/>
-          </a:p>
-        </p:txBody>
-      </p:sp>
-    </p:spTree>
-  </p:cSld>
-  <p:clrMapOvr>
-    <a:masterClrMapping/>
-  </p:clrMapOvr>
-  <p:transition xmlns:p14="http://schemas.microsoft.com/office/powerpoint/2010/main" spd="med" advClick="1"/>
-</p:sld>
-</file>
-
-<file path=ppt/slides/slide8.xml><?xml version="1.0" encoding="utf-8"?>
-<p:sld xmlns:a="http://schemas.openxmlformats.org/drawingml/2006/main" xmlns:r="http://schemas.openxmlformats.org/officeDocument/2006/relationships" xmlns:p="http://schemas.openxmlformats.org/presentationml/2006/main" showMasterSp="1" showMasterPhAnim="1">
-  <p:cSld>
-    <p:spTree>
-      <p:nvGrpSpPr>
-        <p:cNvPr id="1" name=""/>
-        <p:cNvGrpSpPr/>
-        <p:nvPr/>
-      </p:nvGrpSpPr>
-      <p:grpSpPr>
-        <a:xfrm>
-          <a:off x="0" y="0"/>
-          <a:ext cx="0" cy="0"/>
-          <a:chOff x="0" y="0"/>
-          <a:chExt cx="0" cy="0"/>
-        </a:xfrm>
-      </p:grpSpPr>
-      <p:sp>
-        <p:nvSpPr>
-          <p:cNvPr id="192" name="How?"/>
-          <p:cNvSpPr txBox="1"/>
-          <p:nvPr>
-            <p:ph type="title"/>
-          </p:nvPr>
-        </p:nvSpPr>
-        <p:spPr>
-          <a:prstGeom prst="rect">
-            <a:avLst/>
-          </a:prstGeom>
-        </p:spPr>
-        <p:txBody>
-          <a:bodyPr/>
-          <a:lstStyle/>
-          <a:p>
-            <a:pPr/>
-            <a:r>
-              <a:t>How?</a:t>
-            </a:r>
-          </a:p>
-        </p:txBody>
-      </p:sp>
-      <p:sp>
-        <p:nvSpPr>
-          <p:cNvPr id="193" name="We oriented our work toward Burscher et al. they diachronically analysed the frames in the nuclear power debate…"/>
-          <p:cNvSpPr txBox="1"/>
-          <p:nvPr>
-            <p:ph type="body" idx="1"/>
-          </p:nvPr>
-        </p:nvSpPr>
-        <p:spPr>
-          <a:prstGeom prst="rect">
-            <a:avLst/>
-          </a:prstGeom>
-        </p:spPr>
-        <p:txBody>
-          <a:bodyPr/>
-          <a:lstStyle/>
-          <a:p>
-            <a:pPr marL="373379" indent="-373379" defTabSz="490727">
+            <a:endParaRPr>
+              <a:latin typeface="Times"/>
+              <a:ea typeface="Times"/>
+              <a:cs typeface="Times"/>
+              <a:sym typeface="Times"/>
+            </a:endParaRPr>
+          </a:p>
+          <a:p>
+            <a:pPr marL="0" indent="0" defTabSz="457200">
+              <a:lnSpc>
+                <a:spcPts val="4200"/>
+              </a:lnSpc>
               <a:spcBef>
-                <a:spcPts val="3000"/>
+                <a:spcPts val="1200"/>
               </a:spcBef>
-              <a:buBlip>
-                <a:blip r:embed="rId2"/>
-              </a:buBlip>
-              <a:defRPr sz="3024">
-                <a:effectLst>
-                  <a:outerShdw sx="100000" sy="100000" kx="0" ky="0" algn="b" rotWithShape="0" blurRad="42672" dist="32004" dir="5400000">
-                    <a:srgbClr val="000000"/>
-                  </a:outerShdw>
-                </a:effectLst>
+              <a:buSzTx/>
+              <a:buNone/>
+              <a:defRPr sz="2000">
+                <a:effectLst/>
+                <a:latin typeface="Times New Roman"/>
+                <a:ea typeface="Times New Roman"/>
+                <a:cs typeface="Times New Roman"/>
+                <a:sym typeface="Times New Roman"/>
               </a:defRPr>
             </a:pPr>
-            <a:r>
-              <a:t>We oriented our work toward Burscher et al. they diachronically analysed the frames in the nuclear power debate</a:t>
-            </a:r>
-          </a:p>
-          <a:p>
-            <a:pPr marL="373379" indent="-373379" defTabSz="490727">
+            <a:endParaRPr>
+              <a:latin typeface="Times"/>
+              <a:ea typeface="Times"/>
+              <a:cs typeface="Times"/>
+              <a:sym typeface="Times"/>
+            </a:endParaRPr>
+          </a:p>
+          <a:p>
+            <a:pPr marL="0" indent="0" defTabSz="457200">
+              <a:lnSpc>
+                <a:spcPts val="4200"/>
+              </a:lnSpc>
               <a:spcBef>
-                <a:spcPts val="3000"/>
+                <a:spcPts val="1200"/>
               </a:spcBef>
-              <a:buBlip>
-                <a:blip r:embed="rId2"/>
-              </a:buBlip>
-              <a:defRPr sz="3024">
-                <a:effectLst>
-                  <a:outerShdw sx="100000" sy="100000" kx="0" ky="0" algn="b" rotWithShape="0" blurRad="42672" dist="32004" dir="5400000">
-                    <a:srgbClr val="000000"/>
-                  </a:outerShdw>
-                </a:effectLst>
+              <a:buSzTx/>
+              <a:buNone/>
+              <a:defRPr sz="2000">
+                <a:effectLst/>
+                <a:latin typeface="Times New Roman"/>
+                <a:ea typeface="Times New Roman"/>
+                <a:cs typeface="Times New Roman"/>
+                <a:sym typeface="Times New Roman"/>
               </a:defRPr>
             </a:pPr>
-            <a:r>
-              <a:t>What we tried out so far</a:t>
-            </a:r>
-          </a:p>
-          <a:p>
-            <a:pPr marL="373379" indent="-373379" defTabSz="490727">
+            <a:endParaRPr>
+              <a:latin typeface="Times"/>
+              <a:ea typeface="Times"/>
+              <a:cs typeface="Times"/>
+              <a:sym typeface="Times"/>
+            </a:endParaRPr>
+          </a:p>
+          <a:p>
+            <a:pPr marL="0" indent="0" defTabSz="457200">
+              <a:lnSpc>
+                <a:spcPts val="4200"/>
+              </a:lnSpc>
               <a:spcBef>
-                <a:spcPts val="3000"/>
+                <a:spcPts val="1200"/>
               </a:spcBef>
-              <a:buBlip>
-                <a:blip r:embed="rId2"/>
-              </a:buBlip>
-              <a:defRPr sz="3024">
-                <a:effectLst>
-                  <a:outerShdw sx="100000" sy="100000" kx="0" ky="0" algn="b" rotWithShape="0" blurRad="42672" dist="32004" dir="5400000">
-                    <a:srgbClr val="000000"/>
-                  </a:outerShdw>
-                </a:effectLst>
+              <a:buSzTx/>
+              <a:buNone/>
+              <a:defRPr sz="2000">
+                <a:effectLst/>
+                <a:latin typeface="Times New Roman"/>
+                <a:ea typeface="Times New Roman"/>
+                <a:cs typeface="Times New Roman"/>
+                <a:sym typeface="Times New Roman"/>
               </a:defRPr>
             </a:pPr>
-            <a:r>
-              <a:t>Methods:  ABB PIpeline (Preprocessing: LDA; SA, Feature vectors, k-means) </a:t>
-            </a:r>
-          </a:p>
-          <a:p>
-            <a:pPr marL="373379" indent="-373379" defTabSz="490727">
-              <a:spcBef>
-                <a:spcPts val="3000"/>
-              </a:spcBef>
-              <a:buBlip>
-                <a:blip r:embed="rId2"/>
-              </a:buBlip>
-              <a:defRPr sz="3024">
-                <a:effectLst>
-                  <a:outerShdw sx="100000" sy="100000" kx="0" ky="0" algn="b" rotWithShape="0" blurRad="42672" dist="32004" dir="5400000">
-                    <a:srgbClr val="000000"/>
-                  </a:outerShdw>
-                </a:effectLst>
-              </a:defRPr>
-            </a:pPr>
-            <a:r>
-              <a:t>Topics Modeling (LDA and other? ) </a:t>
-            </a:r>
-          </a:p>
-          <a:p>
-            <a:pPr lvl="1" marL="746759" indent="-373379" defTabSz="490727">
-              <a:spcBef>
-                <a:spcPts val="3000"/>
-              </a:spcBef>
-              <a:buBlip>
-                <a:blip r:embed="rId2"/>
-              </a:buBlip>
-              <a:defRPr sz="3024">
-                <a:effectLst>
-                  <a:outerShdw sx="100000" sy="100000" kx="0" ky="0" algn="b" rotWithShape="0" blurRad="42672" dist="32004" dir="5400000">
-                    <a:srgbClr val="000000"/>
-                  </a:outerShdw>
-                </a:effectLst>
-              </a:defRPr>
-            </a:pPr>
-            <a:r>
-              <a:t>K-means (bisecting k-means)</a:t>
-            </a:r>
-          </a:p>
-          <a:p>
-            <a:pPr lvl="1" marL="746759" indent="-373379" defTabSz="490727">
-              <a:spcBef>
-                <a:spcPts val="3000"/>
-              </a:spcBef>
-              <a:buBlip>
-                <a:blip r:embed="rId2"/>
-              </a:buBlip>
-              <a:defRPr sz="3024">
-                <a:effectLst>
-                  <a:outerShdw sx="100000" sy="100000" kx="0" ky="0" algn="b" rotWithShape="0" blurRad="42672" dist="32004" dir="5400000">
-                    <a:srgbClr val="000000"/>
-                  </a:outerShdw>
-                </a:effectLst>
-              </a:defRPr>
-            </a:pPr>
-            <a:r>
-              <a:t>Sentiment Analysis, including negation and aspect based? </a:t>
-            </a:r>
-          </a:p>
-        </p:txBody>
-      </p:sp>
-      <p:sp>
-        <p:nvSpPr>
-          <p:cNvPr id="194" name="Slide Number"/>
-          <p:cNvSpPr txBox="1"/>
-          <p:nvPr>
-            <p:ph type="sldNum" sz="quarter" idx="2"/>
-          </p:nvPr>
-        </p:nvSpPr>
-        <p:spPr>
-          <a:xfrm>
-            <a:off x="12635077" y="9311678"/>
-            <a:ext cx="213158" cy="312344"/>
-          </a:xfrm>
-          <a:prstGeom prst="rect">
-            <a:avLst/>
-          </a:prstGeom>
-          <a:extLst>
-            <a:ext uri="{C572A759-6A51-4108-AA02-DFA0A04FC94B}">
-              <ma14:wrappingTextBoxFlag xmlns:ma14="http://schemas.microsoft.com/office/mac/drawingml/2011/main" val="1"/>
-            </a:ext>
-          </a:extLst>
-        </p:spPr>
-        <p:txBody>
-          <a:bodyPr/>
-          <a:lstStyle/>
-          <a:p>
-            <a:pPr>
-              <a:defRPr>
-                <a:effectLst/>
-              </a:defRPr>
-            </a:pPr>
-            <a:fld id="{86CB4B4D-7CA3-9044-876B-883B54F8677D}" type="slidenum"/>
-          </a:p>
-        </p:txBody>
-      </p:sp>
-    </p:spTree>
-  </p:cSld>
-  <p:clrMapOvr>
-    <a:masterClrMapping/>
-  </p:clrMapOvr>
-  <p:transition xmlns:p14="http://schemas.microsoft.com/office/powerpoint/2010/main" spd="med" advClick="1"/>
-</p:sld>
-</file>
-
-<file path=ppt/slides/slide9.xml><?xml version="1.0" encoding="utf-8"?>
-<p:sld xmlns:a="http://schemas.openxmlformats.org/drawingml/2006/main" xmlns:r="http://schemas.openxmlformats.org/officeDocument/2006/relationships" xmlns:p="http://schemas.openxmlformats.org/presentationml/2006/main" showMasterSp="1" showMasterPhAnim="1">
-  <p:cSld>
-    <p:spTree>
-      <p:nvGrpSpPr>
-        <p:cNvPr id="1" name=""/>
-        <p:cNvGrpSpPr/>
-        <p:nvPr/>
-      </p:nvGrpSpPr>
-      <p:grpSpPr>
-        <a:xfrm>
-          <a:off x="0" y="0"/>
-          <a:ext cx="0" cy="0"/>
-          <a:chOff x="0" y="0"/>
-          <a:chExt cx="0" cy="0"/>
-        </a:xfrm>
-      </p:grpSpPr>
-      <p:sp>
-        <p:nvSpPr>
-          <p:cNvPr id="196" name="Title"/>
-          <p:cNvSpPr txBox="1"/>
-          <p:nvPr>
-            <p:ph type="title"/>
-          </p:nvPr>
-        </p:nvSpPr>
-        <p:spPr>
-          <a:prstGeom prst="rect">
-            <a:avLst/>
-          </a:prstGeom>
-        </p:spPr>
-        <p:txBody>
-          <a:bodyPr/>
-          <a:lstStyle/>
-          <a:p>
-            <a:pPr/>
-          </a:p>
-        </p:txBody>
-      </p:sp>
-      <p:sp>
-        <p:nvSpPr>
-          <p:cNvPr id="197" name="Body"/>
-          <p:cNvSpPr txBox="1"/>
-          <p:nvPr>
-            <p:ph type="body" idx="1"/>
-          </p:nvPr>
-        </p:nvSpPr>
-        <p:spPr>
-          <a:prstGeom prst="rect">
-            <a:avLst/>
-          </a:prstGeom>
-        </p:spPr>
-        <p:txBody>
-          <a:bodyPr/>
-          <a:lstStyle/>
-          <a:p>
-            <a:pPr>
-              <a:buBlip>
-                <a:blip r:embed="rId2"/>
-              </a:buBlip>
-            </a:pPr>
-          </a:p>
-        </p:txBody>
-      </p:sp>
-      <p:sp>
-        <p:nvSpPr>
-          <p:cNvPr id="198" name="People opinion about newest topics…"/>
-          <p:cNvSpPr txBox="1"/>
-          <p:nvPr/>
-        </p:nvSpPr>
-        <p:spPr>
-          <a:xfrm>
-            <a:off x="1040180" y="3029230"/>
-            <a:ext cx="10924440" cy="3695140"/>
-          </a:xfrm>
-          <a:prstGeom prst="rect">
-            <a:avLst/>
-          </a:prstGeom>
-          <a:ln w="12700">
-            <a:miter lim="400000"/>
-          </a:ln>
-          <a:extLst>
-            <a:ext uri="{C572A759-6A51-4108-AA02-DFA0A04FC94B}">
-              <ma14:wrappingTextBoxFlag xmlns:ma14="http://schemas.microsoft.com/office/mac/drawingml/2011/main" val="1"/>
-            </a:ext>
-          </a:extLst>
-        </p:spPr>
-        <p:txBody>
-          <a:bodyPr wrap="none" lIns="50800" tIns="50800" rIns="50800" bIns="50800" anchor="ctr">
-            <a:spAutoFit/>
-          </a:bodyPr>
-          <a:lstStyle/>
-          <a:p>
-            <a:pPr marL="444500" indent="-444500" algn="l">
-              <a:spcBef>
-                <a:spcPts val="3600"/>
-              </a:spcBef>
-              <a:buSzPct val="30000"/>
-              <a:buBlip>
-                <a:blip r:embed="rId2"/>
-              </a:buBlip>
-              <a:defRPr sz="3600"/>
-            </a:pPr>
-            <a:r>
-              <a:t>People opinion about newest topics</a:t>
-            </a:r>
-          </a:p>
-          <a:p>
-            <a:pPr marL="444500" indent="-444500" algn="l">
-              <a:spcBef>
-                <a:spcPts val="3600"/>
-              </a:spcBef>
-              <a:buSzPct val="30000"/>
-              <a:buBlip>
-                <a:blip r:embed="rId2"/>
-              </a:buBlip>
-              <a:defRPr sz="3600"/>
-            </a:pPr>
-            <a:r>
-              <a:t>Newspaper (political stance) influence public opinion</a:t>
-            </a:r>
-          </a:p>
-          <a:p>
-            <a:pPr marL="444500" indent="-444500" algn="l">
-              <a:spcBef>
-                <a:spcPts val="3600"/>
-              </a:spcBef>
-              <a:buSzPct val="30000"/>
-              <a:buBlip>
-                <a:blip r:embed="rId2"/>
-              </a:buBlip>
-              <a:defRPr sz="3600"/>
-            </a:pPr>
-            <a:r>
-              <a:t>Erleichtern der Meinungsbildung, wenn schon weiß </a:t>
-            </a:r>
-          </a:p>
-          <a:p>
-            <a:pPr lvl="1" marL="889000" indent="-444500" algn="l">
-              <a:spcBef>
-                <a:spcPts val="3600"/>
-              </a:spcBef>
-              <a:buSzPct val="30000"/>
-              <a:buBlip>
-                <a:blip r:embed="rId2"/>
-              </a:buBlip>
-              <a:defRPr sz="3600"/>
-            </a:pPr>
-            <a:r>
-              <a:t>Wie Zeitung das Thema darstellt </a:t>
-            </a:r>
-          </a:p>
-        </p:txBody>
-      </p:sp>
-      <p:sp>
-        <p:nvSpPr>
-          <p:cNvPr id="199" name="Slide Number"/>
-          <p:cNvSpPr txBox="1"/>
-          <p:nvPr>
-            <p:ph type="sldNum" sz="quarter" idx="2"/>
-          </p:nvPr>
-        </p:nvSpPr>
-        <p:spPr>
-          <a:xfrm>
-            <a:off x="12635077" y="9311678"/>
-            <a:ext cx="213158" cy="312344"/>
-          </a:xfrm>
-          <a:prstGeom prst="rect">
-            <a:avLst/>
-          </a:prstGeom>
-          <a:extLst>
-            <a:ext uri="{C572A759-6A51-4108-AA02-DFA0A04FC94B}">
-              <ma14:wrappingTextBoxFlag xmlns:ma14="http://schemas.microsoft.com/office/mac/drawingml/2011/main" val="1"/>
-            </a:ext>
-          </a:extLst>
-        </p:spPr>
-        <p:txBody>
-          <a:bodyPr/>
-          <a:lstStyle/>
-          <a:p>
-            <a:pPr>
-              <a:defRPr>
-                <a:effectLst/>
-              </a:defRPr>
-            </a:pPr>
-            <a:fld id="{86CB4B4D-7CA3-9044-876B-883B54F8677D}" type="slidenum"/>
+            <a:endParaRPr>
+              <a:latin typeface="Times"/>
+              <a:ea typeface="Times"/>
+              <a:cs typeface="Times"/>
+              <a:sym typeface="Times"/>
+            </a:endParaRPr>
           </a:p>
         </p:txBody>
       </p:sp>
@@ -6565,16 +6375,16 @@
   <a:themeElements>
     <a:clrScheme name="Industrial">
       <a:dk1>
-        <a:srgbClr val="BC00FF"/>
+        <a:srgbClr val="FFFFFF"/>
       </a:dk1>
       <a:lt1>
-        <a:srgbClr val="FFFFFF"/>
+        <a:srgbClr val="BC00FF"/>
       </a:lt1>
       <a:dk2>
-        <a:srgbClr val="53585F"/>
+        <a:srgbClr val="A7A7A7"/>
       </a:dk2>
       <a:lt2>
-        <a:srgbClr val="DCDEE0"/>
+        <a:srgbClr val="535353"/>
       </a:lt2>
       <a:accent1>
         <a:srgbClr val="0073CF"/>
@@ -6603,14 +6413,14 @@
     </a:clrScheme>
     <a:fontScheme name="Industrial">
       <a:majorFont>
-        <a:latin typeface="Helvetica Neue Light"/>
-        <a:ea typeface="Helvetica Neue Light"/>
-        <a:cs typeface="Helvetica Neue Light"/>
+        <a:latin typeface="Helvetica Neue"/>
+        <a:ea typeface="Helvetica Neue"/>
+        <a:cs typeface="Helvetica Neue"/>
       </a:majorFont>
       <a:minorFont>
-        <a:latin typeface="Helvetica Neue Light"/>
-        <a:ea typeface="Helvetica Neue Light"/>
-        <a:cs typeface="Helvetica Neue Light"/>
+        <a:latin typeface="Helvetica"/>
+        <a:ea typeface="Helvetica"/>
+        <a:cs typeface="Helvetica"/>
       </a:minorFont>
     </a:fontScheme>
     <a:fmtScheme name="Industrial">
@@ -6750,14 +6560,15 @@
   <a:objectDefaults>
     <a:spDef>
       <a:spPr>
-        <a:blipFill rotWithShape="1">
-          <a:blip r:embed="rId1"/>
-          <a:srcRect l="0" t="0" r="0" b="0"/>
-          <a:tile tx="0" ty="0" sx="100000" sy="100000" flip="none" algn="tl"/>
-        </a:blipFill>
-        <a:ln w="12700" cap="flat">
-          <a:noFill/>
-          <a:miter lim="400000"/>
+        <a:solidFill>
+          <a:srgbClr val="FFFFFF"/>
+        </a:solidFill>
+        <a:ln w="25400" cap="flat">
+          <a:solidFill>
+            <a:schemeClr val="accent1"/>
+          </a:solidFill>
+          <a:prstDash val="solid"/>
+          <a:round/>
         </a:ln>
         <a:effectLst/>
         <a:sp3d/>
@@ -6781,12 +6592,12 @@
           <a:buFontTx/>
           <a:buNone/>
           <a:tabLst/>
-          <a:defRPr b="0" baseline="0" cap="none" i="0" spc="0" strike="noStrike" sz="3600" u="none" kumimoji="0" normalizeH="0">
+          <a:defRPr b="0" baseline="0" cap="none" i="0" spc="0" strike="noStrike" sz="4200" u="none" kumimoji="0" normalizeH="0">
             <a:ln>
               <a:noFill/>
             </a:ln>
             <a:solidFill>
-              <a:srgbClr val="FFFFFF"/>
+              <a:srgbClr val="BC00FF"/>
             </a:solidFill>
             <a:effectLst>
               <a:outerShdw sx="100000" sy="100000" kx="0" ky="0" algn="b" rotWithShape="0" blurRad="50800" dist="38100" dir="5400000">
@@ -6794,9 +6605,9 @@
               </a:outerShdw>
             </a:effectLst>
             <a:uFillTx/>
-            <a:latin typeface="+mn-lt"/>
-            <a:ea typeface="+mn-ea"/>
-            <a:cs typeface="+mn-cs"/>
+            <a:latin typeface="Helvetica Neue Light"/>
+            <a:ea typeface="Helvetica Neue Light"/>
+            <a:cs typeface="Helvetica Neue Light"/>
             <a:sym typeface="Helvetica Neue Light"/>
           </a:defRPr>
         </a:defPPr>
@@ -7045,12 +6856,12 @@
     <a:lnDef>
       <a:spPr>
         <a:noFill/>
-        <a:ln w="12700" cap="flat">
+        <a:ln w="25400" cap="flat">
           <a:solidFill>
-            <a:srgbClr val="FFFFFF"/>
+            <a:schemeClr val="accent1"/>
           </a:solidFill>
           <a:prstDash val="solid"/>
-          <a:miter lim="400000"/>
+          <a:round/>
         </a:ln>
         <a:effectLst/>
         <a:sp3d/>
@@ -7361,7 +7172,7 @@
               <a:noFill/>
             </a:ln>
             <a:solidFill>
-              <a:srgbClr val="FFFFFF"/>
+              <a:srgbClr val="BC00FF"/>
             </a:solidFill>
             <a:effectLst>
               <a:outerShdw sx="100000" sy="100000" kx="0" ky="0" algn="b" rotWithShape="0" blurRad="50800" dist="38100" dir="5400000">
@@ -7369,9 +7180,9 @@
               </a:outerShdw>
             </a:effectLst>
             <a:uFillTx/>
-            <a:latin typeface="+mn-lt"/>
-            <a:ea typeface="+mn-ea"/>
-            <a:cs typeface="+mn-cs"/>
+            <a:latin typeface="Helvetica Neue Light"/>
+            <a:ea typeface="Helvetica Neue Light"/>
+            <a:cs typeface="Helvetica Neue Light"/>
             <a:sym typeface="Helvetica Neue Light"/>
           </a:defRPr>
         </a:defPPr>
@@ -7632,10 +7443,10 @@
         <a:srgbClr val="FFFFFF"/>
       </a:lt1>
       <a:dk2>
-        <a:srgbClr val="53585F"/>
+        <a:srgbClr val="A7A7A7"/>
       </a:dk2>
       <a:lt2>
-        <a:srgbClr val="DCDEE0"/>
+        <a:srgbClr val="535353"/>
       </a:lt2>
       <a:accent1>
         <a:srgbClr val="0073CF"/>
@@ -7664,14 +7475,14 @@
     </a:clrScheme>
     <a:fontScheme name="Industrial">
       <a:majorFont>
-        <a:latin typeface="Helvetica Neue Light"/>
-        <a:ea typeface="Helvetica Neue Light"/>
-        <a:cs typeface="Helvetica Neue Light"/>
+        <a:latin typeface="Helvetica Neue"/>
+        <a:ea typeface="Helvetica Neue"/>
+        <a:cs typeface="Helvetica Neue"/>
       </a:majorFont>
       <a:minorFont>
-        <a:latin typeface="Helvetica Neue Light"/>
-        <a:ea typeface="Helvetica Neue Light"/>
-        <a:cs typeface="Helvetica Neue Light"/>
+        <a:latin typeface="Helvetica"/>
+        <a:ea typeface="Helvetica"/>
+        <a:cs typeface="Helvetica"/>
       </a:minorFont>
     </a:fontScheme>
     <a:fmtScheme name="Industrial">
@@ -7811,14 +7622,15 @@
   <a:objectDefaults>
     <a:spDef>
       <a:spPr>
-        <a:blipFill rotWithShape="1">
-          <a:blip r:embed="rId1"/>
-          <a:srcRect l="0" t="0" r="0" b="0"/>
-          <a:tile tx="0" ty="0" sx="100000" sy="100000" flip="none" algn="tl"/>
-        </a:blipFill>
-        <a:ln w="12700" cap="flat">
-          <a:noFill/>
-          <a:miter lim="400000"/>
+        <a:solidFill>
+          <a:srgbClr val="FFFFFF"/>
+        </a:solidFill>
+        <a:ln w="25400" cap="flat">
+          <a:solidFill>
+            <a:schemeClr val="accent1"/>
+          </a:solidFill>
+          <a:prstDash val="solid"/>
+          <a:round/>
         </a:ln>
         <a:effectLst/>
         <a:sp3d/>
@@ -7842,12 +7654,12 @@
           <a:buFontTx/>
           <a:buNone/>
           <a:tabLst/>
-          <a:defRPr b="0" baseline="0" cap="none" i="0" spc="0" strike="noStrike" sz="3600" u="none" kumimoji="0" normalizeH="0">
+          <a:defRPr b="0" baseline="0" cap="none" i="0" spc="0" strike="noStrike" sz="4200" u="none" kumimoji="0" normalizeH="0">
             <a:ln>
               <a:noFill/>
             </a:ln>
             <a:solidFill>
-              <a:srgbClr val="FFFFFF"/>
+              <a:srgbClr val="BC00FF"/>
             </a:solidFill>
             <a:effectLst>
               <a:outerShdw sx="100000" sy="100000" kx="0" ky="0" algn="b" rotWithShape="0" blurRad="50800" dist="38100" dir="5400000">
@@ -7855,9 +7667,9 @@
               </a:outerShdw>
             </a:effectLst>
             <a:uFillTx/>
-            <a:latin typeface="+mn-lt"/>
-            <a:ea typeface="+mn-ea"/>
-            <a:cs typeface="+mn-cs"/>
+            <a:latin typeface="Helvetica Neue Light"/>
+            <a:ea typeface="Helvetica Neue Light"/>
+            <a:cs typeface="Helvetica Neue Light"/>
             <a:sym typeface="Helvetica Neue Light"/>
           </a:defRPr>
         </a:defPPr>
@@ -8106,12 +7918,12 @@
     <a:lnDef>
       <a:spPr>
         <a:noFill/>
-        <a:ln w="12700" cap="flat">
+        <a:ln w="25400" cap="flat">
           <a:solidFill>
-            <a:srgbClr val="FFFFFF"/>
+            <a:schemeClr val="accent1"/>
           </a:solidFill>
           <a:prstDash val="solid"/>
-          <a:miter lim="400000"/>
+          <a:round/>
         </a:ln>
         <a:effectLst/>
         <a:sp3d/>
@@ -8422,7 +8234,7 @@
               <a:noFill/>
             </a:ln>
             <a:solidFill>
-              <a:srgbClr val="FFFFFF"/>
+              <a:srgbClr val="BC00FF"/>
             </a:solidFill>
             <a:effectLst>
               <a:outerShdw sx="100000" sy="100000" kx="0" ky="0" algn="b" rotWithShape="0" blurRad="50800" dist="38100" dir="5400000">
@@ -8430,9 +8242,9 @@
               </a:outerShdw>
             </a:effectLst>
             <a:uFillTx/>
-            <a:latin typeface="+mn-lt"/>
-            <a:ea typeface="+mn-ea"/>
-            <a:cs typeface="+mn-cs"/>
+            <a:latin typeface="Helvetica Neue Light"/>
+            <a:ea typeface="Helvetica Neue Light"/>
+            <a:cs typeface="Helvetica Neue Light"/>
             <a:sym typeface="Helvetica Neue Light"/>
           </a:defRPr>
         </a:defPPr>
